--- a/中心网站结构/中心网站结构.pptx
+++ b/中心网站结构/中心网站结构.pptx
@@ -5,7 +5,8 @@
     <p:sldMasterId id="2147483648" r:id="rId1"/>
   </p:sldMasterIdLst>
   <p:sldIdLst>
-    <p:sldId id="256" r:id="rId2"/>
+    <p:sldId id="258" r:id="rId2"/>
+    <p:sldId id="257" r:id="rId3"/>
   </p:sldIdLst>
   <p:sldSz cx="9144000" cy="6858000" type="screen4x3"/>
   <p:notesSz cx="6858000" cy="9144000"/>
@@ -104,6 +105,22 @@
       </a:defRPr>
     </a:lvl9pPr>
   </p:defaultTextStyle>
+  <p:extLst>
+    <p:ext uri="{EFAFB233-063F-42B5-8137-9DF3F51BA10A}">
+      <p15:sldGuideLst xmlns:p15="http://schemas.microsoft.com/office/powerpoint/2012/main">
+        <p15:guide id="1" orient="horz" pos="2160">
+          <p15:clr>
+            <a:srgbClr val="A4A3A4"/>
+          </p15:clr>
+        </p15:guide>
+        <p15:guide id="2" pos="2880">
+          <p15:clr>
+            <a:srgbClr val="A4A3A4"/>
+          </p15:clr>
+        </p15:guide>
+      </p15:sldGuideLst>
+    </p:ext>
+  </p:extLst>
 </p:presentation>
 </file>
 
@@ -288,7 +305,7 @@
           <a:p>
             <a:fld id="{530820CF-B880-4189-942D-D702A7CBA730}" type="datetimeFigureOut">
               <a:rPr lang="zh-CN" altLang="en-US" smtClean="0"/>
-              <a:t>2014/11/19</a:t>
+              <a:t>2015/3/29</a:t>
             </a:fld>
             <a:endParaRPr lang="zh-CN" altLang="en-US"/>
           </a:p>
@@ -453,7 +470,7 @@
           <a:p>
             <a:fld id="{530820CF-B880-4189-942D-D702A7CBA730}" type="datetimeFigureOut">
               <a:rPr lang="zh-CN" altLang="en-US" smtClean="0"/>
-              <a:t>2014/11/19</a:t>
+              <a:t>2015/3/29</a:t>
             </a:fld>
             <a:endParaRPr lang="zh-CN" altLang="en-US"/>
           </a:p>
@@ -628,7 +645,7 @@
           <a:p>
             <a:fld id="{530820CF-B880-4189-942D-D702A7CBA730}" type="datetimeFigureOut">
               <a:rPr lang="zh-CN" altLang="en-US" smtClean="0"/>
-              <a:t>2014/11/19</a:t>
+              <a:t>2015/3/29</a:t>
             </a:fld>
             <a:endParaRPr lang="zh-CN" altLang="en-US"/>
           </a:p>
@@ -793,7 +810,7 @@
           <a:p>
             <a:fld id="{530820CF-B880-4189-942D-D702A7CBA730}" type="datetimeFigureOut">
               <a:rPr lang="zh-CN" altLang="en-US" smtClean="0"/>
-              <a:t>2014/11/19</a:t>
+              <a:t>2015/3/29</a:t>
             </a:fld>
             <a:endParaRPr lang="zh-CN" altLang="en-US"/>
           </a:p>
@@ -1034,7 +1051,7 @@
           <a:p>
             <a:fld id="{530820CF-B880-4189-942D-D702A7CBA730}" type="datetimeFigureOut">
               <a:rPr lang="zh-CN" altLang="en-US" smtClean="0"/>
-              <a:t>2014/11/19</a:t>
+              <a:t>2015/3/29</a:t>
             </a:fld>
             <a:endParaRPr lang="zh-CN" altLang="en-US"/>
           </a:p>
@@ -1317,7 +1334,7 @@
           <a:p>
             <a:fld id="{530820CF-B880-4189-942D-D702A7CBA730}" type="datetimeFigureOut">
               <a:rPr lang="zh-CN" altLang="en-US" smtClean="0"/>
-              <a:t>2014/11/19</a:t>
+              <a:t>2015/3/29</a:t>
             </a:fld>
             <a:endParaRPr lang="zh-CN" altLang="en-US"/>
           </a:p>
@@ -1734,7 +1751,7 @@
           <a:p>
             <a:fld id="{530820CF-B880-4189-942D-D702A7CBA730}" type="datetimeFigureOut">
               <a:rPr lang="zh-CN" altLang="en-US" smtClean="0"/>
-              <a:t>2014/11/19</a:t>
+              <a:t>2015/3/29</a:t>
             </a:fld>
             <a:endParaRPr lang="zh-CN" altLang="en-US"/>
           </a:p>
@@ -1847,7 +1864,7 @@
           <a:p>
             <a:fld id="{530820CF-B880-4189-942D-D702A7CBA730}" type="datetimeFigureOut">
               <a:rPr lang="zh-CN" altLang="en-US" smtClean="0"/>
-              <a:t>2014/11/19</a:t>
+              <a:t>2015/3/29</a:t>
             </a:fld>
             <a:endParaRPr lang="zh-CN" altLang="en-US"/>
           </a:p>
@@ -1937,7 +1954,7 @@
           <a:p>
             <a:fld id="{530820CF-B880-4189-942D-D702A7CBA730}" type="datetimeFigureOut">
               <a:rPr lang="zh-CN" altLang="en-US" smtClean="0"/>
-              <a:t>2014/11/19</a:t>
+              <a:t>2015/3/29</a:t>
             </a:fld>
             <a:endParaRPr lang="zh-CN" altLang="en-US"/>
           </a:p>
@@ -2209,7 +2226,7 @@
           <a:p>
             <a:fld id="{530820CF-B880-4189-942D-D702A7CBA730}" type="datetimeFigureOut">
               <a:rPr lang="zh-CN" altLang="en-US" smtClean="0"/>
-              <a:t>2014/11/19</a:t>
+              <a:t>2015/3/29</a:t>
             </a:fld>
             <a:endParaRPr lang="zh-CN" altLang="en-US"/>
           </a:p>
@@ -2457,7 +2474,7 @@
           <a:p>
             <a:fld id="{530820CF-B880-4189-942D-D702A7CBA730}" type="datetimeFigureOut">
               <a:rPr lang="zh-CN" altLang="en-US" smtClean="0"/>
-              <a:t>2014/11/19</a:t>
+              <a:t>2015/3/29</a:t>
             </a:fld>
             <a:endParaRPr lang="zh-CN" altLang="en-US"/>
           </a:p>
@@ -2665,7 +2682,7 @@
           <a:p>
             <a:fld id="{530820CF-B880-4189-942D-D702A7CBA730}" type="datetimeFigureOut">
               <a:rPr lang="zh-CN" altLang="en-US" smtClean="0"/>
-              <a:t>2014/11/19</a:t>
+              <a:t>2015/3/29</a:t>
             </a:fld>
             <a:endParaRPr lang="zh-CN" altLang="en-US"/>
           </a:p>
@@ -3037,26 +3054,1219 @@
       </p:grpSpPr>
       <p:sp>
         <p:nvSpPr>
-          <p:cNvPr id="4" name="圆角矩形 3"/>
+          <p:cNvPr id="4" name="文本框 3"/>
+          <p:cNvSpPr txBox="1"/>
+          <p:nvPr/>
+        </p:nvSpPr>
+        <p:spPr>
+          <a:xfrm>
+            <a:off x="2376339" y="288538"/>
+            <a:ext cx="4391322" cy="369332"/>
+          </a:xfrm>
+          <a:prstGeom prst="rect">
+            <a:avLst/>
+          </a:prstGeom>
+          <a:noFill/>
+        </p:spPr>
+        <p:txBody>
+          <a:bodyPr wrap="square" rtlCol="0">
+            <a:spAutoFit/>
+          </a:bodyPr>
+          <a:lstStyle/>
+          <a:p>
+            <a:pPr algn="ctr"/>
+            <a:r>
+              <a:rPr lang="en-US" altLang="zh-CN" dirty="0" smtClean="0">
+                <a:latin typeface="黑体" panose="02010609060101010101" pitchFamily="49" charset="-122"/>
+                <a:ea typeface="黑体" panose="02010609060101010101" pitchFamily="49" charset="-122"/>
+              </a:rPr>
+              <a:t>i.Center</a:t>
+            </a:r>
+            <a:r>
+              <a:rPr lang="zh-CN" altLang="en-US" dirty="0" smtClean="0">
+                <a:latin typeface="黑体" panose="02010609060101010101" pitchFamily="49" charset="-122"/>
+                <a:ea typeface="黑体" panose="02010609060101010101" pitchFamily="49" charset="-122"/>
+              </a:rPr>
+              <a:t>清华大学创客空间门户网站架构</a:t>
+            </a:r>
+            <a:endParaRPr lang="en-US" altLang="zh-CN" dirty="0" smtClean="0">
+              <a:latin typeface="黑体" panose="02010609060101010101" pitchFamily="49" charset="-122"/>
+              <a:ea typeface="黑体" panose="02010609060101010101" pitchFamily="49" charset="-122"/>
+            </a:endParaRPr>
+          </a:p>
+        </p:txBody>
+      </p:sp>
+      <p:sp>
+        <p:nvSpPr>
+          <p:cNvPr id="5" name="文本框 4"/>
+          <p:cNvSpPr txBox="1"/>
+          <p:nvPr/>
+        </p:nvSpPr>
+        <p:spPr>
+          <a:xfrm>
+            <a:off x="899592" y="1196752"/>
+            <a:ext cx="1944216" cy="1631216"/>
+          </a:xfrm>
+          <a:prstGeom prst="rect">
+            <a:avLst/>
+          </a:prstGeom>
+          <a:noFill/>
+        </p:spPr>
+        <p:txBody>
+          <a:bodyPr wrap="square" rtlCol="0">
+            <a:spAutoFit/>
+          </a:bodyPr>
+          <a:lstStyle/>
+          <a:p>
+            <a:pPr marL="285750" indent="-285750">
+              <a:buFont typeface="Arial" panose="020B0604020202020204" pitchFamily="34" charset="0"/>
+              <a:buChar char="•"/>
+            </a:pPr>
+            <a:r>
+              <a:rPr lang="en-US" altLang="zh-CN" sz="1000" dirty="0" smtClean="0">
+                <a:latin typeface="+mj-ea"/>
+                <a:ea typeface="+mj-ea"/>
+              </a:rPr>
+              <a:t>i.Center for You</a:t>
+            </a:r>
+          </a:p>
+          <a:p>
+            <a:pPr marL="742950" lvl="1" indent="-285750">
+              <a:buFont typeface="Arial" panose="020B0604020202020204" pitchFamily="34" charset="0"/>
+              <a:buChar char="•"/>
+            </a:pPr>
+            <a:r>
+              <a:rPr lang="zh-CN" altLang="en-US" sz="1000" dirty="0">
+                <a:latin typeface="+mj-ea"/>
+                <a:ea typeface="+mj-ea"/>
+              </a:rPr>
+              <a:t>简介</a:t>
+            </a:r>
+            <a:endParaRPr lang="en-US" altLang="zh-CN" sz="1000" dirty="0" smtClean="0">
+              <a:latin typeface="+mj-ea"/>
+              <a:ea typeface="+mj-ea"/>
+            </a:endParaRPr>
+          </a:p>
+          <a:p>
+            <a:pPr marL="742950" lvl="1" indent="-285750">
+              <a:buFont typeface="Arial" panose="020B0604020202020204" pitchFamily="34" charset="0"/>
+              <a:buChar char="•"/>
+            </a:pPr>
+            <a:r>
+              <a:rPr lang="zh-CN" altLang="en-US" sz="1000" dirty="0">
+                <a:latin typeface="+mj-ea"/>
+                <a:ea typeface="+mj-ea"/>
+              </a:rPr>
+              <a:t>活动</a:t>
+            </a:r>
+            <a:r>
+              <a:rPr lang="zh-CN" altLang="en-US" sz="1000" dirty="0" smtClean="0">
+                <a:latin typeface="+mj-ea"/>
+                <a:ea typeface="+mj-ea"/>
+              </a:rPr>
+              <a:t>场地介绍</a:t>
+            </a:r>
+            <a:endParaRPr lang="en-US" altLang="zh-CN" sz="1000" dirty="0" smtClean="0">
+              <a:latin typeface="+mj-ea"/>
+              <a:ea typeface="+mj-ea"/>
+            </a:endParaRPr>
+          </a:p>
+          <a:p>
+            <a:pPr marL="742950" lvl="1" indent="-285750">
+              <a:buFont typeface="Arial" panose="020B0604020202020204" pitchFamily="34" charset="0"/>
+              <a:buChar char="•"/>
+            </a:pPr>
+            <a:r>
+              <a:rPr lang="zh-CN" altLang="en-US" sz="1000" dirty="0" smtClean="0">
+                <a:latin typeface="+mj-ea"/>
+                <a:ea typeface="+mj-ea"/>
+              </a:rPr>
+              <a:t>开放</a:t>
+            </a:r>
+            <a:r>
+              <a:rPr lang="zh-CN" altLang="en-US" sz="1000" dirty="0">
+                <a:latin typeface="+mj-ea"/>
+                <a:ea typeface="+mj-ea"/>
+              </a:rPr>
+              <a:t>设备</a:t>
+            </a:r>
+            <a:r>
+              <a:rPr lang="zh-CN" altLang="en-US" sz="1000" dirty="0" smtClean="0">
+                <a:latin typeface="+mj-ea"/>
+                <a:ea typeface="+mj-ea"/>
+              </a:rPr>
+              <a:t>展示</a:t>
+            </a:r>
+            <a:endParaRPr lang="en-US" altLang="zh-CN" sz="1000" dirty="0" smtClean="0">
+              <a:latin typeface="+mj-ea"/>
+              <a:ea typeface="+mj-ea"/>
+            </a:endParaRPr>
+          </a:p>
+          <a:p>
+            <a:pPr marL="742950" lvl="1" indent="-285750">
+              <a:buFont typeface="Arial" panose="020B0604020202020204" pitchFamily="34" charset="0"/>
+              <a:buChar char="•"/>
+            </a:pPr>
+            <a:r>
+              <a:rPr lang="zh-CN" altLang="en-US" sz="1000" dirty="0">
+                <a:latin typeface="+mj-ea"/>
+                <a:ea typeface="+mj-ea"/>
+              </a:rPr>
+              <a:t>合作</a:t>
+            </a:r>
+            <a:r>
+              <a:rPr lang="zh-CN" altLang="en-US" sz="1000" dirty="0" smtClean="0">
+                <a:latin typeface="+mj-ea"/>
+                <a:ea typeface="+mj-ea"/>
+              </a:rPr>
+              <a:t>伙伴</a:t>
+            </a:r>
+            <a:endParaRPr lang="en-US" altLang="zh-CN" sz="1000" dirty="0">
+              <a:latin typeface="+mj-ea"/>
+              <a:ea typeface="+mj-ea"/>
+            </a:endParaRPr>
+          </a:p>
+          <a:p>
+            <a:pPr marL="742950" lvl="1" indent="-285750">
+              <a:buFont typeface="Arial" panose="020B0604020202020204" pitchFamily="34" charset="0"/>
+              <a:buChar char="•"/>
+            </a:pPr>
+            <a:r>
+              <a:rPr lang="zh-CN" altLang="en-US" sz="1000" dirty="0">
+                <a:latin typeface="+mj-ea"/>
+              </a:rPr>
+              <a:t>活动场地预订</a:t>
+            </a:r>
+            <a:endParaRPr lang="en-US" altLang="zh-CN" sz="1000" dirty="0">
+              <a:latin typeface="+mj-ea"/>
+            </a:endParaRPr>
+          </a:p>
+          <a:p>
+            <a:pPr marL="742950" lvl="1" indent="-285750">
+              <a:buFont typeface="Arial" panose="020B0604020202020204" pitchFamily="34" charset="0"/>
+              <a:buChar char="•"/>
+            </a:pPr>
+            <a:r>
+              <a:rPr lang="zh-CN" altLang="en-US" sz="1000" dirty="0" smtClean="0">
+                <a:latin typeface="+mj-ea"/>
+                <a:ea typeface="+mj-ea"/>
+              </a:rPr>
+              <a:t>科技孵化资源预约</a:t>
+            </a:r>
+            <a:endParaRPr lang="en-US" altLang="zh-CN" sz="1000" dirty="0" smtClean="0">
+              <a:latin typeface="+mj-ea"/>
+              <a:ea typeface="+mj-ea"/>
+            </a:endParaRPr>
+          </a:p>
+          <a:p>
+            <a:pPr marL="742950" lvl="1" indent="-285750">
+              <a:buFont typeface="Arial" panose="020B0604020202020204" pitchFamily="34" charset="0"/>
+              <a:buChar char="•"/>
+            </a:pPr>
+            <a:r>
+              <a:rPr lang="zh-CN" altLang="en-US" sz="1000" dirty="0" smtClean="0">
+                <a:latin typeface="+mj-ea"/>
+                <a:ea typeface="+mj-ea"/>
+              </a:rPr>
+              <a:t>常驻团队申请</a:t>
+            </a:r>
+            <a:endParaRPr lang="en-US" altLang="zh-CN" sz="1000" dirty="0" smtClean="0">
+              <a:latin typeface="+mj-ea"/>
+              <a:ea typeface="+mj-ea"/>
+            </a:endParaRPr>
+          </a:p>
+          <a:p>
+            <a:pPr marL="742950" lvl="1" indent="-285750">
+              <a:buFont typeface="Arial" panose="020B0604020202020204" pitchFamily="34" charset="0"/>
+              <a:buChar char="•"/>
+            </a:pPr>
+            <a:r>
+              <a:rPr lang="zh-CN" altLang="en-US" sz="1000" dirty="0" smtClean="0">
+                <a:latin typeface="+mj-ea"/>
+                <a:ea typeface="+mj-ea"/>
+              </a:rPr>
+              <a:t>联系我们</a:t>
+            </a:r>
+            <a:endParaRPr lang="en-US" altLang="zh-CN" sz="1000" dirty="0" smtClean="0">
+              <a:latin typeface="+mj-ea"/>
+              <a:ea typeface="+mj-ea"/>
+            </a:endParaRPr>
+          </a:p>
+          <a:p>
+            <a:pPr marL="742950" lvl="1" indent="-285750">
+              <a:buFont typeface="Arial" panose="020B0604020202020204" pitchFamily="34" charset="0"/>
+              <a:buChar char="•"/>
+            </a:pPr>
+            <a:r>
+              <a:rPr lang="zh-CN" altLang="en-US" sz="1000" dirty="0">
+                <a:latin typeface="+mj-ea"/>
+                <a:ea typeface="+mj-ea"/>
+              </a:rPr>
+              <a:t>人才招募</a:t>
+            </a:r>
+            <a:endParaRPr lang="en-US" altLang="zh-CN" sz="1000" dirty="0" smtClean="0">
+              <a:latin typeface="+mj-ea"/>
+              <a:ea typeface="+mj-ea"/>
+            </a:endParaRPr>
+          </a:p>
+        </p:txBody>
+      </p:sp>
+      <p:sp>
+        <p:nvSpPr>
+          <p:cNvPr id="6" name="文本框 5"/>
+          <p:cNvSpPr txBox="1"/>
+          <p:nvPr/>
+        </p:nvSpPr>
+        <p:spPr>
+          <a:xfrm>
+            <a:off x="2844974" y="1196752"/>
+            <a:ext cx="1727026" cy="1015663"/>
+          </a:xfrm>
+          <a:prstGeom prst="rect">
+            <a:avLst/>
+          </a:prstGeom>
+          <a:noFill/>
+        </p:spPr>
+        <p:txBody>
+          <a:bodyPr wrap="square" rtlCol="0">
+            <a:spAutoFit/>
+          </a:bodyPr>
+          <a:lstStyle/>
+          <a:p>
+            <a:pPr marL="285750" indent="-285750">
+              <a:buFont typeface="Arial" panose="020B0604020202020204" pitchFamily="34" charset="0"/>
+              <a:buChar char="•"/>
+            </a:pPr>
+            <a:r>
+              <a:rPr lang="en-US" altLang="zh-CN" sz="1000" dirty="0" smtClean="0">
+                <a:latin typeface="+mj-ea"/>
+                <a:ea typeface="+mj-ea"/>
+              </a:rPr>
+              <a:t>i.Center</a:t>
+            </a:r>
+            <a:r>
+              <a:rPr lang="zh-CN" altLang="en-US" sz="1000" dirty="0">
+                <a:latin typeface="+mj-ea"/>
+                <a:ea typeface="+mj-ea"/>
+              </a:rPr>
+              <a:t> </a:t>
+            </a:r>
+            <a:r>
+              <a:rPr lang="en-US" altLang="zh-CN" sz="1000" dirty="0" smtClean="0">
+                <a:latin typeface="+mj-ea"/>
+                <a:ea typeface="+mj-ea"/>
+              </a:rPr>
+              <a:t>Today</a:t>
+            </a:r>
+          </a:p>
+          <a:p>
+            <a:pPr marL="742950" lvl="1" indent="-285750">
+              <a:buFont typeface="Arial" panose="020B0604020202020204" pitchFamily="34" charset="0"/>
+              <a:buChar char="•"/>
+            </a:pPr>
+            <a:r>
+              <a:rPr lang="zh-CN" altLang="en-US" sz="1000" dirty="0" smtClean="0">
+                <a:latin typeface="+mj-ea"/>
+                <a:ea typeface="+mj-ea"/>
+              </a:rPr>
+              <a:t>新闻</a:t>
+            </a:r>
+            <a:endParaRPr lang="en-US" altLang="zh-CN" sz="1000" dirty="0" smtClean="0">
+              <a:latin typeface="+mj-ea"/>
+              <a:ea typeface="+mj-ea"/>
+            </a:endParaRPr>
+          </a:p>
+          <a:p>
+            <a:pPr marL="742950" lvl="1" indent="-285750">
+              <a:buFont typeface="Arial" panose="020B0604020202020204" pitchFamily="34" charset="0"/>
+              <a:buChar char="•"/>
+            </a:pPr>
+            <a:r>
+              <a:rPr lang="zh-CN" altLang="en-US" sz="1000" dirty="0" smtClean="0">
+                <a:latin typeface="+mj-ea"/>
+                <a:ea typeface="+mj-ea"/>
+              </a:rPr>
+              <a:t>课程与活动</a:t>
+            </a:r>
+            <a:endParaRPr lang="en-US" altLang="zh-CN" sz="1000" dirty="0" smtClean="0">
+              <a:latin typeface="+mj-ea"/>
+              <a:ea typeface="+mj-ea"/>
+            </a:endParaRPr>
+          </a:p>
+          <a:p>
+            <a:pPr marL="742950" lvl="1" indent="-285750">
+              <a:buFont typeface="Arial" panose="020B0604020202020204" pitchFamily="34" charset="0"/>
+              <a:buChar char="•"/>
+            </a:pPr>
+            <a:r>
+              <a:rPr lang="zh-CN" altLang="en-US" sz="1000" dirty="0" smtClean="0">
+                <a:latin typeface="+mj-ea"/>
+                <a:ea typeface="+mj-ea"/>
+              </a:rPr>
+              <a:t>创意项目展示</a:t>
+            </a:r>
+            <a:endParaRPr lang="en-US" altLang="zh-CN" sz="1000" dirty="0" smtClean="0">
+              <a:latin typeface="+mj-ea"/>
+              <a:ea typeface="+mj-ea"/>
+            </a:endParaRPr>
+          </a:p>
+          <a:p>
+            <a:pPr marL="742950" lvl="1" indent="-285750">
+              <a:buFont typeface="Arial" panose="020B0604020202020204" pitchFamily="34" charset="0"/>
+              <a:buChar char="•"/>
+            </a:pPr>
+            <a:r>
+              <a:rPr lang="zh-CN" altLang="en-US" sz="1000" dirty="0" smtClean="0">
+                <a:latin typeface="+mj-ea"/>
+              </a:rPr>
+              <a:t>跨学科</a:t>
+            </a:r>
+            <a:r>
+              <a:rPr lang="zh-CN" altLang="en-US" sz="1000" dirty="0">
+                <a:latin typeface="+mj-ea"/>
+              </a:rPr>
+              <a:t>项目</a:t>
+            </a:r>
+            <a:endParaRPr lang="en-US" altLang="zh-CN" sz="1000" dirty="0">
+              <a:latin typeface="+mj-ea"/>
+            </a:endParaRPr>
+          </a:p>
+          <a:p>
+            <a:pPr marL="742950" lvl="1" indent="-285750">
+              <a:buFont typeface="Arial" panose="020B0604020202020204" pitchFamily="34" charset="0"/>
+              <a:buChar char="•"/>
+            </a:pPr>
+            <a:r>
+              <a:rPr lang="zh-CN" altLang="en-US" sz="1000" dirty="0" smtClean="0">
+                <a:latin typeface="+mj-ea"/>
+                <a:ea typeface="+mj-ea"/>
+              </a:rPr>
+              <a:t>驻校导师信息</a:t>
+            </a:r>
+            <a:endParaRPr lang="en-US" altLang="zh-CN" sz="1000" dirty="0" smtClean="0">
+              <a:latin typeface="+mj-ea"/>
+              <a:ea typeface="+mj-ea"/>
+            </a:endParaRPr>
+          </a:p>
+        </p:txBody>
+      </p:sp>
+      <p:sp>
+        <p:nvSpPr>
+          <p:cNvPr id="8" name="文本框 7"/>
+          <p:cNvSpPr txBox="1"/>
+          <p:nvPr/>
+        </p:nvSpPr>
+        <p:spPr>
+          <a:xfrm>
+            <a:off x="4572000" y="1196752"/>
+            <a:ext cx="2087066" cy="1631216"/>
+          </a:xfrm>
+          <a:prstGeom prst="rect">
+            <a:avLst/>
+          </a:prstGeom>
+          <a:noFill/>
+        </p:spPr>
+        <p:txBody>
+          <a:bodyPr wrap="square" rtlCol="0">
+            <a:spAutoFit/>
+          </a:bodyPr>
+          <a:lstStyle/>
+          <a:p>
+            <a:pPr marL="285750" indent="-285750">
+              <a:buFont typeface="Arial" panose="020B0604020202020204" pitchFamily="34" charset="0"/>
+              <a:buChar char="•"/>
+            </a:pPr>
+            <a:r>
+              <a:rPr lang="zh-CN" altLang="en-US" sz="1000" dirty="0" smtClean="0">
+                <a:latin typeface="+mj-ea"/>
+                <a:ea typeface="+mj-ea"/>
+              </a:rPr>
+              <a:t>在线学习</a:t>
+            </a:r>
+            <a:endParaRPr lang="en-US" altLang="zh-CN" sz="1000" dirty="0" smtClean="0">
+              <a:latin typeface="+mj-ea"/>
+              <a:ea typeface="+mj-ea"/>
+            </a:endParaRPr>
+          </a:p>
+          <a:p>
+            <a:pPr marL="742950" lvl="1" indent="-285750">
+              <a:buFont typeface="Arial" panose="020B0604020202020204" pitchFamily="34" charset="0"/>
+              <a:buChar char="•"/>
+            </a:pPr>
+            <a:r>
+              <a:rPr lang="zh-CN" altLang="en-US" sz="1000" dirty="0" smtClean="0">
+                <a:latin typeface="+mj-ea"/>
+                <a:ea typeface="+mj-ea"/>
+              </a:rPr>
+              <a:t>开放课程</a:t>
+            </a:r>
+            <a:endParaRPr lang="en-US" altLang="zh-CN" sz="1000" dirty="0" smtClean="0">
+              <a:latin typeface="+mj-ea"/>
+              <a:ea typeface="+mj-ea"/>
+            </a:endParaRPr>
+          </a:p>
+          <a:p>
+            <a:pPr marL="1200150" lvl="2" indent="-285750">
+              <a:buFont typeface="Arial" panose="020B0604020202020204" pitchFamily="34" charset="0"/>
+              <a:buChar char="•"/>
+            </a:pPr>
+            <a:r>
+              <a:rPr lang="zh-CN" altLang="en-US" sz="1000" dirty="0" smtClean="0">
+                <a:latin typeface="+mj-ea"/>
+                <a:ea typeface="+mj-ea"/>
+              </a:rPr>
+              <a:t>基础工程类</a:t>
+            </a:r>
+            <a:endParaRPr lang="en-US" altLang="zh-CN" sz="1000" dirty="0" smtClean="0">
+              <a:latin typeface="+mj-ea"/>
+              <a:ea typeface="+mj-ea"/>
+            </a:endParaRPr>
+          </a:p>
+          <a:p>
+            <a:pPr marL="1200150" lvl="2" indent="-285750">
+              <a:buFont typeface="Arial" panose="020B0604020202020204" pitchFamily="34" charset="0"/>
+              <a:buChar char="•"/>
+            </a:pPr>
+            <a:r>
+              <a:rPr lang="zh-CN" altLang="en-US" sz="1000" dirty="0" smtClean="0">
+                <a:latin typeface="+mj-ea"/>
+                <a:ea typeface="+mj-ea"/>
+              </a:rPr>
+              <a:t>创新类</a:t>
+            </a:r>
+            <a:endParaRPr lang="en-US" altLang="zh-CN" sz="1000" dirty="0" smtClean="0">
+              <a:latin typeface="+mj-ea"/>
+              <a:ea typeface="+mj-ea"/>
+            </a:endParaRPr>
+          </a:p>
+          <a:p>
+            <a:pPr marL="1200150" lvl="2" indent="-285750">
+              <a:buFont typeface="Arial" panose="020B0604020202020204" pitchFamily="34" charset="0"/>
+              <a:buChar char="•"/>
+            </a:pPr>
+            <a:r>
+              <a:rPr lang="zh-CN" altLang="en-US" sz="1000" dirty="0" smtClean="0">
+                <a:latin typeface="+mj-ea"/>
+                <a:ea typeface="+mj-ea"/>
+              </a:rPr>
+              <a:t>设计类</a:t>
+            </a:r>
+            <a:endParaRPr lang="en-US" altLang="zh-CN" sz="1000" dirty="0" smtClean="0">
+              <a:latin typeface="+mj-ea"/>
+              <a:ea typeface="+mj-ea"/>
+            </a:endParaRPr>
+          </a:p>
+          <a:p>
+            <a:pPr marL="1200150" lvl="2" indent="-285750">
+              <a:buFont typeface="Arial" panose="020B0604020202020204" pitchFamily="34" charset="0"/>
+              <a:buChar char="•"/>
+            </a:pPr>
+            <a:r>
+              <a:rPr lang="zh-CN" altLang="en-US" sz="1000" dirty="0" smtClean="0">
+                <a:latin typeface="+mj-ea"/>
+                <a:ea typeface="+mj-ea"/>
+              </a:rPr>
+              <a:t>信息技术类</a:t>
+            </a:r>
+            <a:endParaRPr lang="en-US" altLang="zh-CN" sz="1000" dirty="0" smtClean="0">
+              <a:latin typeface="+mj-ea"/>
+              <a:ea typeface="+mj-ea"/>
+            </a:endParaRPr>
+          </a:p>
+          <a:p>
+            <a:pPr marL="742950" lvl="1" indent="-285750">
+              <a:buFont typeface="Arial" panose="020B0604020202020204" pitchFamily="34" charset="0"/>
+              <a:buChar char="•"/>
+            </a:pPr>
+            <a:r>
+              <a:rPr lang="zh-CN" altLang="en-US" sz="1000" dirty="0" smtClean="0">
+                <a:latin typeface="+mj-ea"/>
+                <a:ea typeface="+mj-ea"/>
+              </a:rPr>
+              <a:t>云桌面系统</a:t>
+            </a:r>
+            <a:endParaRPr lang="en-US" altLang="zh-CN" sz="1000" dirty="0" smtClean="0">
+              <a:latin typeface="+mj-ea"/>
+              <a:ea typeface="+mj-ea"/>
+            </a:endParaRPr>
+          </a:p>
+          <a:p>
+            <a:pPr marL="742950" lvl="1" indent="-285750">
+              <a:buFont typeface="Arial" panose="020B0604020202020204" pitchFamily="34" charset="0"/>
+              <a:buChar char="•"/>
+            </a:pPr>
+            <a:r>
+              <a:rPr lang="zh-CN" altLang="en-US" sz="1000" dirty="0" smtClean="0">
+                <a:latin typeface="+mj-ea"/>
+                <a:ea typeface="+mj-ea"/>
+              </a:rPr>
+              <a:t>在线协作平台</a:t>
+            </a:r>
+            <a:endParaRPr lang="en-US" altLang="zh-CN" sz="1000" dirty="0" smtClean="0">
+              <a:latin typeface="+mj-ea"/>
+              <a:ea typeface="+mj-ea"/>
+            </a:endParaRPr>
+          </a:p>
+          <a:p>
+            <a:pPr marL="742950" lvl="1" indent="-285750">
+              <a:buFont typeface="Arial" panose="020B0604020202020204" pitchFamily="34" charset="0"/>
+              <a:buChar char="•"/>
+            </a:pPr>
+            <a:r>
+              <a:rPr lang="zh-CN" altLang="en-US" sz="1000" dirty="0" smtClean="0">
+                <a:latin typeface="+mj-ea"/>
+                <a:ea typeface="+mj-ea"/>
+              </a:rPr>
+              <a:t>云智造</a:t>
+            </a:r>
+            <a:endParaRPr lang="en-US" altLang="zh-CN" sz="1000" dirty="0" smtClean="0">
+              <a:latin typeface="+mj-ea"/>
+              <a:ea typeface="+mj-ea"/>
+            </a:endParaRPr>
+          </a:p>
+          <a:p>
+            <a:pPr marL="742950" lvl="1" indent="-285750">
+              <a:buFont typeface="Arial" panose="020B0604020202020204" pitchFamily="34" charset="0"/>
+              <a:buChar char="•"/>
+            </a:pPr>
+            <a:r>
+              <a:rPr lang="zh-CN" altLang="en-US" sz="1000" dirty="0">
+                <a:latin typeface="+mj-ea"/>
+                <a:ea typeface="+mj-ea"/>
+              </a:rPr>
+              <a:t>在线</a:t>
+            </a:r>
+            <a:r>
+              <a:rPr lang="zh-CN" altLang="en-US" sz="1000" dirty="0" smtClean="0">
+                <a:latin typeface="+mj-ea"/>
+                <a:ea typeface="+mj-ea"/>
+              </a:rPr>
+              <a:t>课堂管理系统</a:t>
+            </a:r>
+            <a:endParaRPr lang="en-US" altLang="zh-CN" sz="1000" dirty="0" smtClean="0">
+              <a:latin typeface="+mj-ea"/>
+              <a:ea typeface="+mj-ea"/>
+            </a:endParaRPr>
+          </a:p>
+        </p:txBody>
+      </p:sp>
+      <p:sp>
+        <p:nvSpPr>
+          <p:cNvPr id="9" name="文本框 8"/>
+          <p:cNvSpPr txBox="1"/>
+          <p:nvPr/>
+        </p:nvSpPr>
+        <p:spPr>
+          <a:xfrm>
+            <a:off x="6659066" y="1196752"/>
+            <a:ext cx="1512168" cy="1015663"/>
+          </a:xfrm>
+          <a:prstGeom prst="rect">
+            <a:avLst/>
+          </a:prstGeom>
+          <a:noFill/>
+        </p:spPr>
+        <p:txBody>
+          <a:bodyPr wrap="square" rtlCol="0">
+            <a:spAutoFit/>
+          </a:bodyPr>
+          <a:lstStyle/>
+          <a:p>
+            <a:pPr marL="285750" indent="-285750">
+              <a:buFont typeface="Arial" panose="020B0604020202020204" pitchFamily="34" charset="0"/>
+              <a:buChar char="•"/>
+            </a:pPr>
+            <a:r>
+              <a:rPr lang="zh-CN" altLang="en-US" sz="1000" dirty="0">
+                <a:latin typeface="+mj-ea"/>
+                <a:ea typeface="+mj-ea"/>
+              </a:rPr>
+              <a:t>创客教育</a:t>
+            </a:r>
+            <a:r>
+              <a:rPr lang="zh-CN" altLang="en-US" sz="1000" dirty="0" smtClean="0">
+                <a:latin typeface="+mj-ea"/>
+                <a:ea typeface="+mj-ea"/>
+              </a:rPr>
+              <a:t>基地联盟</a:t>
+            </a:r>
+            <a:endParaRPr lang="en-US" altLang="zh-CN" sz="1000" dirty="0" smtClean="0">
+              <a:latin typeface="+mj-ea"/>
+              <a:ea typeface="+mj-ea"/>
+            </a:endParaRPr>
+          </a:p>
+          <a:p>
+            <a:pPr marL="742950" lvl="1" indent="-285750">
+              <a:buFont typeface="Arial" panose="020B0604020202020204" pitchFamily="34" charset="0"/>
+              <a:buChar char="•"/>
+            </a:pPr>
+            <a:r>
+              <a:rPr lang="zh-CN" altLang="en-US" sz="1000" dirty="0" smtClean="0">
+                <a:latin typeface="+mj-ea"/>
+                <a:ea typeface="+mj-ea"/>
+              </a:rPr>
+              <a:t>联盟成员</a:t>
+            </a:r>
+            <a:endParaRPr lang="en-US" altLang="zh-CN" sz="1000" dirty="0" smtClean="0">
+              <a:latin typeface="+mj-ea"/>
+              <a:ea typeface="+mj-ea"/>
+            </a:endParaRPr>
+          </a:p>
+          <a:p>
+            <a:pPr marL="742950" lvl="1" indent="-285750">
+              <a:buFont typeface="Arial" panose="020B0604020202020204" pitchFamily="34" charset="0"/>
+              <a:buChar char="•"/>
+            </a:pPr>
+            <a:r>
+              <a:rPr lang="zh-CN" altLang="en-US" sz="1000" dirty="0" smtClean="0">
+                <a:latin typeface="+mj-ea"/>
+                <a:ea typeface="+mj-ea"/>
+              </a:rPr>
+              <a:t>联盟活动</a:t>
+            </a:r>
+            <a:endParaRPr lang="en-US" altLang="zh-CN" sz="1000" dirty="0" smtClean="0">
+              <a:latin typeface="+mj-ea"/>
+              <a:ea typeface="+mj-ea"/>
+            </a:endParaRPr>
+          </a:p>
+          <a:p>
+            <a:pPr marL="742950" lvl="1" indent="-285750">
+              <a:buFont typeface="Arial" panose="020B0604020202020204" pitchFamily="34" charset="0"/>
+              <a:buChar char="•"/>
+            </a:pPr>
+            <a:r>
+              <a:rPr lang="zh-CN" altLang="en-US" sz="1000" dirty="0">
+                <a:latin typeface="+mj-ea"/>
+                <a:ea typeface="+mj-ea"/>
+              </a:rPr>
+              <a:t>项目</a:t>
+            </a:r>
+            <a:r>
+              <a:rPr lang="zh-CN" altLang="en-US" sz="1000" dirty="0" smtClean="0">
+                <a:latin typeface="+mj-ea"/>
+                <a:ea typeface="+mj-ea"/>
+              </a:rPr>
+              <a:t>申请</a:t>
+            </a:r>
+            <a:endParaRPr lang="en-US" altLang="zh-CN" sz="1000" dirty="0" smtClean="0">
+              <a:latin typeface="+mj-ea"/>
+              <a:ea typeface="+mj-ea"/>
+            </a:endParaRPr>
+          </a:p>
+          <a:p>
+            <a:pPr marL="742950" lvl="1" indent="-285750">
+              <a:buFont typeface="Arial" panose="020B0604020202020204" pitchFamily="34" charset="0"/>
+              <a:buChar char="•"/>
+            </a:pPr>
+            <a:r>
+              <a:rPr lang="zh-CN" altLang="en-US" sz="1000" dirty="0" smtClean="0">
+                <a:latin typeface="+mj-ea"/>
+                <a:ea typeface="+mj-ea"/>
+              </a:rPr>
+              <a:t>加入联盟</a:t>
+            </a:r>
+            <a:endParaRPr lang="en-US" altLang="zh-CN" sz="1000" dirty="0" smtClean="0">
+              <a:latin typeface="+mj-ea"/>
+              <a:ea typeface="+mj-ea"/>
+            </a:endParaRPr>
+          </a:p>
+          <a:p>
+            <a:pPr marL="742950" lvl="1" indent="-285750">
+              <a:buFont typeface="Arial" panose="020B0604020202020204" pitchFamily="34" charset="0"/>
+              <a:buChar char="•"/>
+            </a:pPr>
+            <a:endParaRPr lang="en-US" altLang="zh-CN" sz="1000" dirty="0" smtClean="0">
+              <a:latin typeface="+mj-ea"/>
+              <a:ea typeface="+mj-ea"/>
+            </a:endParaRPr>
+          </a:p>
+        </p:txBody>
+      </p:sp>
+      <p:sp>
+        <p:nvSpPr>
+          <p:cNvPr id="16" name="文本框 15"/>
+          <p:cNvSpPr txBox="1"/>
+          <p:nvPr/>
+        </p:nvSpPr>
+        <p:spPr>
+          <a:xfrm>
+            <a:off x="539552" y="827420"/>
+            <a:ext cx="1152128" cy="369332"/>
+          </a:xfrm>
+          <a:prstGeom prst="rect">
+            <a:avLst/>
+          </a:prstGeom>
+          <a:noFill/>
+        </p:spPr>
+        <p:txBody>
+          <a:bodyPr wrap="square" rtlCol="0">
+            <a:spAutoFit/>
+          </a:bodyPr>
+          <a:lstStyle/>
+          <a:p>
+            <a:r>
+              <a:rPr lang="zh-CN" altLang="en-US" dirty="0" smtClean="0"/>
+              <a:t>网站地图</a:t>
+            </a:r>
+            <a:endParaRPr lang="zh-CN" altLang="en-US" dirty="0"/>
+          </a:p>
+        </p:txBody>
+      </p:sp>
+    </p:spTree>
+    <p:extLst>
+      <p:ext uri="{BB962C8B-B14F-4D97-AF65-F5344CB8AC3E}">
+        <p14:creationId xmlns:p14="http://schemas.microsoft.com/office/powerpoint/2010/main" val="1960545114"/>
+      </p:ext>
+    </p:extLst>
+  </p:cSld>
+  <p:clrMapOvr>
+    <a:masterClrMapping/>
+  </p:clrMapOvr>
+</p:sld>
+</file>
+
+<file path=ppt/slides/slide2.xml><?xml version="1.0" encoding="utf-8"?>
+<p:sld xmlns:a="http://schemas.openxmlformats.org/drawingml/2006/main" xmlns:r="http://schemas.openxmlformats.org/officeDocument/2006/relationships" xmlns:p="http://schemas.openxmlformats.org/presentationml/2006/main">
+  <p:cSld>
+    <p:spTree>
+      <p:nvGrpSpPr>
+        <p:cNvPr id="1" name=""/>
+        <p:cNvGrpSpPr/>
+        <p:nvPr/>
+      </p:nvGrpSpPr>
+      <p:grpSpPr>
+        <a:xfrm>
+          <a:off x="0" y="0"/>
+          <a:ext cx="0" cy="0"/>
+          <a:chOff x="0" y="0"/>
+          <a:chExt cx="0" cy="0"/>
+        </a:xfrm>
+      </p:grpSpPr>
+      <p:sp>
+        <p:nvSpPr>
+          <p:cNvPr id="2" name="矩形 1"/>
           <p:cNvSpPr/>
           <p:nvPr/>
         </p:nvSpPr>
         <p:spPr>
           <a:xfrm>
-            <a:off x="107504" y="800871"/>
-            <a:ext cx="576064" cy="360040"/>
+            <a:off x="1100138" y="548680"/>
+            <a:ext cx="6943724" cy="6082809"/>
           </a:xfrm>
-          <a:prstGeom prst="roundRect">
+          <a:prstGeom prst="rect">
             <a:avLst/>
           </a:prstGeom>
           <a:solidFill>
-            <a:schemeClr val="bg1"/>
+            <a:schemeClr val="bg1">
+              <a:lumMod val="85000"/>
+            </a:schemeClr>
           </a:solidFill>
-          <a:ln w="19050">
+          <a:ln>
             <a:solidFill>
               <a:schemeClr val="tx1"/>
             </a:solidFill>
           </a:ln>
+        </p:spPr>
+        <p:txBody>
+          <a:bodyPr wrap="square" rtlCol="0" anchor="ctr">
+            <a:spAutoFit/>
+          </a:bodyPr>
+          <a:lstStyle/>
+          <a:p>
+            <a:pPr algn="ctr" fontAlgn="base"/>
+            <a:endParaRPr lang="zh-CN" altLang="en-US" sz="1200" dirty="0">
+              <a:latin typeface="微软雅黑" pitchFamily="34" charset="-122"/>
+              <a:ea typeface="微软雅黑" pitchFamily="34" charset="-122"/>
+              <a:hlinkClick r:id="rId2" tooltip="中心概况"/>
+            </a:endParaRPr>
+          </a:p>
+        </p:txBody>
+      </p:sp>
+      <p:sp>
+        <p:nvSpPr>
+          <p:cNvPr id="4" name="文本框 3"/>
+          <p:cNvSpPr txBox="1"/>
+          <p:nvPr/>
+        </p:nvSpPr>
+        <p:spPr>
+          <a:xfrm>
+            <a:off x="1764854" y="0"/>
+            <a:ext cx="5614292" cy="369332"/>
+          </a:xfrm>
+          <a:prstGeom prst="rect">
+            <a:avLst/>
+          </a:prstGeom>
+          <a:noFill/>
+        </p:spPr>
+        <p:txBody>
+          <a:bodyPr wrap="square" rtlCol="0">
+            <a:spAutoFit/>
+          </a:bodyPr>
+          <a:lstStyle/>
+          <a:p>
+            <a:pPr algn="ctr"/>
+            <a:r>
+              <a:rPr lang="en-US" altLang="zh-CN" dirty="0" smtClean="0">
+                <a:latin typeface="黑体" panose="02010609060101010101" pitchFamily="49" charset="-122"/>
+                <a:ea typeface="黑体" panose="02010609060101010101" pitchFamily="49" charset="-122"/>
+              </a:rPr>
+              <a:t>i.Center</a:t>
+            </a:r>
+            <a:r>
+              <a:rPr lang="zh-CN" altLang="en-US" dirty="0" smtClean="0">
+                <a:latin typeface="黑体" panose="02010609060101010101" pitchFamily="49" charset="-122"/>
+                <a:ea typeface="黑体" panose="02010609060101010101" pitchFamily="49" charset="-122"/>
+              </a:rPr>
+              <a:t>清华大学创客空间门户网站</a:t>
+            </a:r>
+            <a:r>
+              <a:rPr lang="zh-CN" altLang="en-US" dirty="0" smtClean="0">
+                <a:latin typeface="黑体" panose="02010609060101010101" pitchFamily="49" charset="-122"/>
+                <a:ea typeface="黑体" panose="02010609060101010101" pitchFamily="49" charset="-122"/>
+              </a:rPr>
+              <a:t>架构</a:t>
+            </a:r>
+            <a:r>
+              <a:rPr lang="en-US" altLang="zh-CN" dirty="0" smtClean="0">
+                <a:latin typeface="黑体" panose="02010609060101010101" pitchFamily="49" charset="-122"/>
+                <a:ea typeface="黑体" panose="02010609060101010101" pitchFamily="49" charset="-122"/>
+              </a:rPr>
+              <a:t>——</a:t>
+            </a:r>
+            <a:r>
+              <a:rPr lang="zh-CN" altLang="en-US" dirty="0" smtClean="0">
+                <a:latin typeface="黑体" panose="02010609060101010101" pitchFamily="49" charset="-122"/>
+                <a:ea typeface="黑体" panose="02010609060101010101" pitchFamily="49" charset="-122"/>
+              </a:rPr>
+              <a:t>首页</a:t>
+            </a:r>
+            <a:endParaRPr lang="en-US" altLang="zh-CN" dirty="0" smtClean="0">
+              <a:latin typeface="黑体" panose="02010609060101010101" pitchFamily="49" charset="-122"/>
+              <a:ea typeface="黑体" panose="02010609060101010101" pitchFamily="49" charset="-122"/>
+            </a:endParaRPr>
+          </a:p>
+        </p:txBody>
+      </p:sp>
+      <p:sp>
+        <p:nvSpPr>
+          <p:cNvPr id="11" name="文本框 10"/>
+          <p:cNvSpPr txBox="1"/>
+          <p:nvPr/>
+        </p:nvSpPr>
+        <p:spPr>
+          <a:xfrm>
+            <a:off x="5971108" y="1633088"/>
+            <a:ext cx="1584176" cy="861774"/>
+          </a:xfrm>
+          <a:prstGeom prst="rect">
+            <a:avLst/>
+          </a:prstGeom>
+          <a:noFill/>
+        </p:spPr>
+        <p:txBody>
+          <a:bodyPr wrap="square" rtlCol="0">
+            <a:spAutoFit/>
+          </a:bodyPr>
+          <a:lstStyle/>
+          <a:p>
+            <a:pPr marL="285750" indent="-285750">
+              <a:buFont typeface="Arial" panose="020B0604020202020204" pitchFamily="34" charset="0"/>
+              <a:buChar char="•"/>
+            </a:pPr>
+            <a:r>
+              <a:rPr lang="zh-CN" altLang="en-US" sz="1000" dirty="0" smtClean="0">
+                <a:latin typeface="+mj-ea"/>
+                <a:ea typeface="+mj-ea"/>
+              </a:rPr>
+              <a:t>联系我们</a:t>
+            </a:r>
+            <a:endParaRPr lang="en-US" altLang="zh-CN" sz="1000" dirty="0" smtClean="0">
+              <a:latin typeface="+mj-ea"/>
+              <a:ea typeface="+mj-ea"/>
+            </a:endParaRPr>
+          </a:p>
+          <a:p>
+            <a:pPr marL="742950" lvl="1" indent="-285750">
+              <a:buFont typeface="Arial" panose="020B0604020202020204" pitchFamily="34" charset="0"/>
+              <a:buChar char="•"/>
+            </a:pPr>
+            <a:r>
+              <a:rPr lang="zh-CN" altLang="en-US" sz="1000" dirty="0" smtClean="0">
+                <a:latin typeface="+mj-ea"/>
+                <a:ea typeface="+mj-ea"/>
+              </a:rPr>
+              <a:t>地址</a:t>
+            </a:r>
+            <a:endParaRPr lang="en-US" altLang="zh-CN" sz="1000" dirty="0" smtClean="0">
+              <a:latin typeface="+mj-ea"/>
+              <a:ea typeface="+mj-ea"/>
+            </a:endParaRPr>
+          </a:p>
+          <a:p>
+            <a:pPr marL="742950" lvl="1" indent="-285750">
+              <a:buFont typeface="Arial" panose="020B0604020202020204" pitchFamily="34" charset="0"/>
+              <a:buChar char="•"/>
+            </a:pPr>
+            <a:r>
+              <a:rPr lang="zh-CN" altLang="en-US" sz="1000" dirty="0" smtClean="0">
+                <a:latin typeface="+mj-ea"/>
+                <a:ea typeface="+mj-ea"/>
+              </a:rPr>
+              <a:t>电话</a:t>
+            </a:r>
+            <a:endParaRPr lang="en-US" altLang="zh-CN" sz="1000" dirty="0" smtClean="0">
+              <a:latin typeface="+mj-ea"/>
+              <a:ea typeface="+mj-ea"/>
+            </a:endParaRPr>
+          </a:p>
+          <a:p>
+            <a:pPr marL="742950" lvl="1" indent="-285750">
+              <a:buFont typeface="Arial" panose="020B0604020202020204" pitchFamily="34" charset="0"/>
+              <a:buChar char="•"/>
+            </a:pPr>
+            <a:r>
+              <a:rPr lang="zh-CN" altLang="en-US" sz="1000" dirty="0" smtClean="0">
+                <a:latin typeface="+mj-ea"/>
+                <a:ea typeface="+mj-ea"/>
+              </a:rPr>
+              <a:t>邮箱</a:t>
+            </a:r>
+            <a:endParaRPr lang="en-US" altLang="zh-CN" sz="1000" dirty="0" smtClean="0">
+              <a:latin typeface="+mj-ea"/>
+              <a:ea typeface="+mj-ea"/>
+            </a:endParaRPr>
+          </a:p>
+          <a:p>
+            <a:pPr marL="742950" lvl="1" indent="-285750">
+              <a:buFont typeface="Arial" panose="020B0604020202020204" pitchFamily="34" charset="0"/>
+              <a:buChar char="•"/>
+            </a:pPr>
+            <a:r>
+              <a:rPr lang="zh-CN" altLang="en-US" sz="1000" dirty="0">
+                <a:latin typeface="+mj-ea"/>
+                <a:ea typeface="+mj-ea"/>
+              </a:rPr>
+              <a:t>微</a:t>
+            </a:r>
+            <a:r>
+              <a:rPr lang="zh-CN" altLang="en-US" sz="1000" dirty="0" smtClean="0">
+                <a:latin typeface="+mj-ea"/>
+                <a:ea typeface="+mj-ea"/>
+              </a:rPr>
+              <a:t>信公众号</a:t>
+            </a:r>
+            <a:endParaRPr lang="en-US" altLang="zh-CN" sz="1000" dirty="0" smtClean="0">
+              <a:latin typeface="+mj-ea"/>
+              <a:ea typeface="+mj-ea"/>
+            </a:endParaRPr>
+          </a:p>
+        </p:txBody>
+      </p:sp>
+      <p:sp>
+        <p:nvSpPr>
+          <p:cNvPr id="15" name="文本框 14"/>
+          <p:cNvSpPr txBox="1"/>
+          <p:nvPr/>
+        </p:nvSpPr>
+        <p:spPr>
+          <a:xfrm>
+            <a:off x="1100138" y="693039"/>
+            <a:ext cx="864096" cy="369332"/>
+          </a:xfrm>
+          <a:prstGeom prst="rect">
+            <a:avLst/>
+          </a:prstGeom>
+          <a:noFill/>
+        </p:spPr>
+        <p:txBody>
+          <a:bodyPr wrap="square" rtlCol="0">
+            <a:spAutoFit/>
+          </a:bodyPr>
+          <a:lstStyle/>
+          <a:p>
+            <a:r>
+              <a:rPr lang="en-US" altLang="zh-CN" dirty="0" smtClean="0"/>
+              <a:t>Logo</a:t>
+            </a:r>
+            <a:endParaRPr lang="zh-CN" altLang="en-US" dirty="0"/>
+          </a:p>
+        </p:txBody>
+      </p:sp>
+      <p:pic>
+        <p:nvPicPr>
+          <p:cNvPr id="3" name="图片 2"/>
+          <p:cNvPicPr>
+            <a:picLocks noChangeAspect="1"/>
+          </p:cNvPicPr>
+          <p:nvPr/>
+        </p:nvPicPr>
+        <p:blipFill rotWithShape="1">
+          <a:blip r:embed="rId3" cstate="print">
+            <a:extLst>
+              <a:ext uri="{28A0092B-C50C-407E-A947-70E740481C1C}">
+                <a14:useLocalDpi xmlns:a14="http://schemas.microsoft.com/office/drawing/2010/main" val="0"/>
+              </a:ext>
+            </a:extLst>
+          </a:blip>
+          <a:srcRect t="11150" b="18500"/>
+          <a:stretch/>
+        </p:blipFill>
+        <p:spPr>
+          <a:xfrm>
+            <a:off x="1100138" y="1465640"/>
+            <a:ext cx="4639468" cy="2447865"/>
+          </a:xfrm>
+          <a:prstGeom prst="rect">
+            <a:avLst/>
+          </a:prstGeom>
+        </p:spPr>
+      </p:pic>
+      <p:sp>
+        <p:nvSpPr>
+          <p:cNvPr id="12" name="文本框 11"/>
+          <p:cNvSpPr txBox="1"/>
+          <p:nvPr/>
+        </p:nvSpPr>
+        <p:spPr>
+          <a:xfrm>
+            <a:off x="1254746" y="4077072"/>
+            <a:ext cx="1443806" cy="1938992"/>
+          </a:xfrm>
+          <a:prstGeom prst="rect">
+            <a:avLst/>
+          </a:prstGeom>
+        </p:spPr>
+        <p:style>
+          <a:lnRef idx="2">
+            <a:schemeClr val="accent6">
+              <a:shade val="50000"/>
+            </a:schemeClr>
+          </a:lnRef>
+          <a:fillRef idx="1">
+            <a:schemeClr val="accent6"/>
+          </a:fillRef>
+          <a:effectRef idx="0">
+            <a:schemeClr val="accent6"/>
+          </a:effectRef>
+          <a:fontRef idx="minor">
+            <a:schemeClr val="lt1"/>
+          </a:fontRef>
+        </p:style>
+        <p:txBody>
+          <a:bodyPr wrap="square" rtlCol="0">
+            <a:spAutoFit/>
+          </a:bodyPr>
+          <a:lstStyle/>
+          <a:p>
+            <a:pPr marL="285750" indent="-285750">
+              <a:lnSpc>
+                <a:spcPct val="300000"/>
+              </a:lnSpc>
+              <a:buFont typeface="Arial" panose="020B0604020202020204" pitchFamily="34" charset="0"/>
+              <a:buChar char="•"/>
+            </a:pPr>
+            <a:r>
+              <a:rPr lang="zh-CN" altLang="en-US" sz="1000" dirty="0" smtClean="0">
+                <a:latin typeface="+mj-ea"/>
+                <a:ea typeface="+mj-ea"/>
+              </a:rPr>
+              <a:t>活动</a:t>
+            </a:r>
+            <a:r>
+              <a:rPr lang="zh-CN" altLang="en-US" sz="1000" dirty="0" smtClean="0">
+                <a:latin typeface="+mj-ea"/>
+                <a:ea typeface="+mj-ea"/>
+              </a:rPr>
+              <a:t>场地与设备</a:t>
+            </a:r>
+            <a:endParaRPr lang="en-US" altLang="zh-CN" sz="1000" dirty="0" smtClean="0">
+              <a:latin typeface="+mj-ea"/>
+              <a:ea typeface="+mj-ea"/>
+            </a:endParaRPr>
+          </a:p>
+          <a:p>
+            <a:pPr marL="285750" indent="-285750">
+              <a:lnSpc>
+                <a:spcPct val="300000"/>
+              </a:lnSpc>
+              <a:buFont typeface="Arial" panose="020B0604020202020204" pitchFamily="34" charset="0"/>
+              <a:buChar char="•"/>
+            </a:pPr>
+            <a:r>
+              <a:rPr lang="zh-CN" altLang="en-US" sz="1000" dirty="0">
+                <a:latin typeface="+mj-ea"/>
+                <a:ea typeface="+mj-ea"/>
+              </a:rPr>
+              <a:t>合作</a:t>
+            </a:r>
+            <a:r>
+              <a:rPr lang="zh-CN" altLang="en-US" sz="1000" dirty="0" smtClean="0">
+                <a:latin typeface="+mj-ea"/>
+                <a:ea typeface="+mj-ea"/>
+              </a:rPr>
+              <a:t>伙伴</a:t>
+            </a:r>
+            <a:endParaRPr lang="en-US" altLang="zh-CN" sz="1000" dirty="0">
+              <a:latin typeface="+mj-ea"/>
+              <a:ea typeface="+mj-ea"/>
+            </a:endParaRPr>
+          </a:p>
+          <a:p>
+            <a:pPr marL="285750" indent="-285750">
+              <a:lnSpc>
+                <a:spcPct val="300000"/>
+              </a:lnSpc>
+              <a:buFont typeface="Arial" panose="020B0604020202020204" pitchFamily="34" charset="0"/>
+              <a:buChar char="•"/>
+            </a:pPr>
+            <a:r>
+              <a:rPr lang="zh-CN" altLang="en-US" sz="1000" dirty="0" smtClean="0">
+                <a:latin typeface="+mj-ea"/>
+                <a:ea typeface="+mj-ea"/>
+              </a:rPr>
+              <a:t>资源预约</a:t>
+            </a:r>
+            <a:endParaRPr lang="en-US" altLang="zh-CN" sz="1000" dirty="0" smtClean="0">
+              <a:latin typeface="+mj-ea"/>
+              <a:ea typeface="+mj-ea"/>
+            </a:endParaRPr>
+          </a:p>
+          <a:p>
+            <a:pPr marL="285750" indent="-285750">
+              <a:lnSpc>
+                <a:spcPct val="300000"/>
+              </a:lnSpc>
+              <a:buFont typeface="Arial" panose="020B0604020202020204" pitchFamily="34" charset="0"/>
+              <a:buChar char="•"/>
+            </a:pPr>
+            <a:r>
+              <a:rPr lang="zh-CN" altLang="en-US" sz="1000" dirty="0" smtClean="0">
+                <a:latin typeface="+mj-ea"/>
+                <a:ea typeface="+mj-ea"/>
+              </a:rPr>
+              <a:t>常驻团队申请</a:t>
+            </a:r>
+            <a:endParaRPr lang="en-US" altLang="zh-CN" sz="1000" dirty="0" smtClean="0">
+              <a:latin typeface="+mj-ea"/>
+              <a:ea typeface="+mj-ea"/>
+            </a:endParaRPr>
+          </a:p>
+        </p:txBody>
+      </p:sp>
+      <p:sp>
+        <p:nvSpPr>
+          <p:cNvPr id="13" name="文本框 12"/>
+          <p:cNvSpPr txBox="1"/>
+          <p:nvPr/>
+        </p:nvSpPr>
+        <p:spPr>
+          <a:xfrm>
+            <a:off x="2698552" y="4077072"/>
+            <a:ext cx="1264394" cy="2400657"/>
+          </a:xfrm>
+          <a:prstGeom prst="rect">
+            <a:avLst/>
+          </a:prstGeom>
         </p:spPr>
         <p:style>
           <a:lnRef idx="2">
@@ -3075,46 +4285,1054 @@
           </a:fontRef>
         </p:style>
         <p:txBody>
-          <a:bodyPr rtlCol="0" anchor="ctr"/>
-          <a:lstStyle/>
-          <a:p>
-            <a:pPr algn="ctr"/>
-            <a:r>
-              <a:rPr lang="zh-CN" altLang="en-US" sz="1200" dirty="0" smtClean="0">
+          <a:bodyPr wrap="square" rtlCol="0">
+            <a:spAutoFit/>
+          </a:bodyPr>
+          <a:lstStyle>
+            <a:defPPr>
+              <a:defRPr lang="zh-CN"/>
+            </a:defPPr>
+            <a:lvl1pPr marL="285750" indent="-285750">
+              <a:buFont typeface="Arial" panose="020B0604020202020204" pitchFamily="34" charset="0"/>
+              <a:buChar char="•"/>
+              <a:defRPr sz="1600">
+                <a:solidFill>
+                  <a:schemeClr val="lt1"/>
+                </a:solidFill>
+                <a:latin typeface="+mj-ea"/>
+                <a:ea typeface="+mj-ea"/>
+              </a:defRPr>
+            </a:lvl1pPr>
+            <a:lvl2pPr marL="742950" lvl="1" indent="-285750">
+              <a:buFont typeface="Arial" panose="020B0604020202020204" pitchFamily="34" charset="0"/>
+              <a:buChar char="•"/>
+              <a:defRPr sz="1600">
+                <a:solidFill>
+                  <a:schemeClr val="lt1"/>
+                </a:solidFill>
+                <a:latin typeface="+mj-ea"/>
+                <a:ea typeface="+mj-ea"/>
+              </a:defRPr>
+            </a:lvl2pPr>
+            <a:lvl3pPr>
+              <a:defRPr>
+                <a:solidFill>
+                  <a:schemeClr val="lt1"/>
+                </a:solidFill>
+              </a:defRPr>
+            </a:lvl3pPr>
+            <a:lvl4pPr>
+              <a:defRPr>
+                <a:solidFill>
+                  <a:schemeClr val="lt1"/>
+                </a:solidFill>
+              </a:defRPr>
+            </a:lvl4pPr>
+            <a:lvl5pPr>
+              <a:defRPr>
+                <a:solidFill>
+                  <a:schemeClr val="lt1"/>
+                </a:solidFill>
+              </a:defRPr>
+            </a:lvl5pPr>
+            <a:lvl6pPr>
+              <a:defRPr>
+                <a:solidFill>
+                  <a:schemeClr val="lt1"/>
+                </a:solidFill>
+              </a:defRPr>
+            </a:lvl6pPr>
+            <a:lvl7pPr>
+              <a:defRPr>
+                <a:solidFill>
+                  <a:schemeClr val="lt1"/>
+                </a:solidFill>
+              </a:defRPr>
+            </a:lvl7pPr>
+            <a:lvl8pPr>
+              <a:defRPr>
+                <a:solidFill>
+                  <a:schemeClr val="lt1"/>
+                </a:solidFill>
+              </a:defRPr>
+            </a:lvl8pPr>
+            <a:lvl9pPr>
+              <a:defRPr>
+                <a:solidFill>
+                  <a:schemeClr val="lt1"/>
+                </a:solidFill>
+              </a:defRPr>
+            </a:lvl9pPr>
+          </a:lstStyle>
+          <a:p>
+            <a:pPr>
+              <a:lnSpc>
+                <a:spcPct val="300000"/>
+              </a:lnSpc>
+            </a:pPr>
+            <a:r>
+              <a:rPr lang="zh-CN" altLang="en-US" sz="1000" dirty="0" smtClean="0"/>
+              <a:t>新闻</a:t>
+            </a:r>
+            <a:endParaRPr lang="en-US" altLang="zh-CN" sz="1000" dirty="0" smtClean="0"/>
+          </a:p>
+          <a:p>
+            <a:pPr>
+              <a:lnSpc>
+                <a:spcPct val="300000"/>
+              </a:lnSpc>
+            </a:pPr>
+            <a:r>
+              <a:rPr lang="zh-CN" altLang="en-US" sz="1000" dirty="0" smtClean="0"/>
+              <a:t>课程</a:t>
+            </a:r>
+            <a:r>
+              <a:rPr lang="zh-CN" altLang="en-US" sz="1000" dirty="0"/>
+              <a:t>与活动</a:t>
+            </a:r>
+            <a:endParaRPr lang="en-US" altLang="zh-CN" sz="1000" dirty="0"/>
+          </a:p>
+          <a:p>
+            <a:pPr>
+              <a:lnSpc>
+                <a:spcPct val="300000"/>
+              </a:lnSpc>
+            </a:pPr>
+            <a:r>
+              <a:rPr lang="zh-CN" altLang="en-US" sz="1000" dirty="0"/>
+              <a:t>创意项目展示</a:t>
+            </a:r>
+            <a:endParaRPr lang="en-US" altLang="zh-CN" sz="1000" dirty="0"/>
+          </a:p>
+          <a:p>
+            <a:pPr>
+              <a:lnSpc>
+                <a:spcPct val="300000"/>
+              </a:lnSpc>
+            </a:pPr>
+            <a:r>
+              <a:rPr lang="zh-CN" altLang="en-US" sz="1000" dirty="0"/>
+              <a:t>跨学科项目</a:t>
+            </a:r>
+            <a:endParaRPr lang="en-US" altLang="zh-CN" sz="1000" dirty="0"/>
+          </a:p>
+          <a:p>
+            <a:pPr>
+              <a:lnSpc>
+                <a:spcPct val="300000"/>
+              </a:lnSpc>
+            </a:pPr>
+            <a:r>
+              <a:rPr lang="zh-CN" altLang="en-US" sz="1000" dirty="0"/>
+              <a:t>驻校导师信息</a:t>
+            </a:r>
+            <a:endParaRPr lang="en-US" altLang="zh-CN" sz="1000" dirty="0"/>
+          </a:p>
+        </p:txBody>
+      </p:sp>
+      <p:sp>
+        <p:nvSpPr>
+          <p:cNvPr id="14" name="文本框 13"/>
+          <p:cNvSpPr txBox="1"/>
+          <p:nvPr/>
+        </p:nvSpPr>
+        <p:spPr>
+          <a:xfrm>
+            <a:off x="3973066" y="4077072"/>
+            <a:ext cx="1496690" cy="2400657"/>
+          </a:xfrm>
+          <a:prstGeom prst="rect">
+            <a:avLst/>
+          </a:prstGeom>
+        </p:spPr>
+        <p:style>
+          <a:lnRef idx="2">
+            <a:schemeClr val="accent2">
+              <a:shade val="50000"/>
+            </a:schemeClr>
+          </a:lnRef>
+          <a:fillRef idx="1">
+            <a:schemeClr val="accent2"/>
+          </a:fillRef>
+          <a:effectRef idx="0">
+            <a:schemeClr val="accent2"/>
+          </a:effectRef>
+          <a:fontRef idx="minor">
+            <a:schemeClr val="lt1"/>
+          </a:fontRef>
+        </p:style>
+        <p:txBody>
+          <a:bodyPr wrap="square" rtlCol="0">
+            <a:spAutoFit/>
+          </a:bodyPr>
+          <a:lstStyle>
+            <a:defPPr>
+              <a:defRPr lang="zh-CN"/>
+            </a:defPPr>
+            <a:lvl1pPr marL="285750" indent="-285750">
+              <a:buFont typeface="Arial" panose="020B0604020202020204" pitchFamily="34" charset="0"/>
+              <a:buChar char="•"/>
+              <a:defRPr sz="1600">
+                <a:solidFill>
+                  <a:schemeClr val="lt1"/>
+                </a:solidFill>
+                <a:latin typeface="+mj-ea"/>
+                <a:ea typeface="+mj-ea"/>
+              </a:defRPr>
+            </a:lvl1pPr>
+            <a:lvl2pPr marL="742950" lvl="1" indent="-285750">
+              <a:buFont typeface="Arial" panose="020B0604020202020204" pitchFamily="34" charset="0"/>
+              <a:buChar char="•"/>
+              <a:defRPr sz="1600">
+                <a:solidFill>
+                  <a:schemeClr val="lt1"/>
+                </a:solidFill>
+                <a:latin typeface="+mj-ea"/>
+                <a:ea typeface="+mj-ea"/>
+              </a:defRPr>
+            </a:lvl2pPr>
+            <a:lvl3pPr>
+              <a:defRPr>
+                <a:solidFill>
+                  <a:schemeClr val="lt1"/>
+                </a:solidFill>
+              </a:defRPr>
+            </a:lvl3pPr>
+            <a:lvl4pPr>
+              <a:defRPr>
+                <a:solidFill>
+                  <a:schemeClr val="lt1"/>
+                </a:solidFill>
+              </a:defRPr>
+            </a:lvl4pPr>
+            <a:lvl5pPr>
+              <a:defRPr>
+                <a:solidFill>
+                  <a:schemeClr val="lt1"/>
+                </a:solidFill>
+              </a:defRPr>
+            </a:lvl5pPr>
+            <a:lvl6pPr>
+              <a:defRPr>
+                <a:solidFill>
+                  <a:schemeClr val="lt1"/>
+                </a:solidFill>
+              </a:defRPr>
+            </a:lvl6pPr>
+            <a:lvl7pPr>
+              <a:defRPr>
+                <a:solidFill>
+                  <a:schemeClr val="lt1"/>
+                </a:solidFill>
+              </a:defRPr>
+            </a:lvl7pPr>
+            <a:lvl8pPr>
+              <a:defRPr>
+                <a:solidFill>
+                  <a:schemeClr val="lt1"/>
+                </a:solidFill>
+              </a:defRPr>
+            </a:lvl8pPr>
+            <a:lvl9pPr>
+              <a:defRPr>
+                <a:solidFill>
+                  <a:schemeClr val="lt1"/>
+                </a:solidFill>
+              </a:defRPr>
+            </a:lvl9pPr>
+          </a:lstStyle>
+          <a:p>
+            <a:pPr>
+              <a:lnSpc>
+                <a:spcPct val="300000"/>
+              </a:lnSpc>
+            </a:pPr>
+            <a:r>
+              <a:rPr lang="zh-CN" altLang="en-US" sz="1000" dirty="0" smtClean="0"/>
+              <a:t>开放</a:t>
+            </a:r>
+            <a:r>
+              <a:rPr lang="zh-CN" altLang="en-US" sz="1000" dirty="0"/>
+              <a:t>课程</a:t>
+            </a:r>
+            <a:endParaRPr lang="en-US" altLang="zh-CN" sz="1000" dirty="0"/>
+          </a:p>
+          <a:p>
+            <a:pPr>
+              <a:lnSpc>
+                <a:spcPct val="300000"/>
+              </a:lnSpc>
+            </a:pPr>
+            <a:r>
+              <a:rPr lang="zh-CN" altLang="en-US" sz="1000" dirty="0"/>
+              <a:t>云桌面系统</a:t>
+            </a:r>
+            <a:endParaRPr lang="en-US" altLang="zh-CN" sz="1000" dirty="0"/>
+          </a:p>
+          <a:p>
+            <a:pPr>
+              <a:lnSpc>
+                <a:spcPct val="300000"/>
+              </a:lnSpc>
+            </a:pPr>
+            <a:r>
+              <a:rPr lang="zh-CN" altLang="en-US" sz="1000" dirty="0"/>
+              <a:t>在线协作平台</a:t>
+            </a:r>
+            <a:endParaRPr lang="en-US" altLang="zh-CN" sz="1000" dirty="0"/>
+          </a:p>
+          <a:p>
+            <a:pPr>
+              <a:lnSpc>
+                <a:spcPct val="300000"/>
+              </a:lnSpc>
+            </a:pPr>
+            <a:r>
+              <a:rPr lang="zh-CN" altLang="en-US" sz="1000" dirty="0"/>
+              <a:t>云智造</a:t>
+            </a:r>
+            <a:endParaRPr lang="en-US" altLang="zh-CN" sz="1000" dirty="0"/>
+          </a:p>
+          <a:p>
+            <a:pPr>
+              <a:lnSpc>
+                <a:spcPct val="300000"/>
+              </a:lnSpc>
+            </a:pPr>
+            <a:r>
+              <a:rPr lang="zh-CN" altLang="en-US" sz="1000" dirty="0"/>
+              <a:t>在线课堂管理系统</a:t>
+            </a:r>
+            <a:endParaRPr lang="en-US" altLang="zh-CN" sz="1000" dirty="0"/>
+          </a:p>
+        </p:txBody>
+      </p:sp>
+      <p:sp>
+        <p:nvSpPr>
+          <p:cNvPr id="17" name="文本框 16"/>
+          <p:cNvSpPr txBox="1"/>
+          <p:nvPr/>
+        </p:nvSpPr>
+        <p:spPr>
+          <a:xfrm>
+            <a:off x="1100138" y="1114720"/>
+            <a:ext cx="6943724" cy="246221"/>
+          </a:xfrm>
+          <a:prstGeom prst="rect">
+            <a:avLst/>
+          </a:prstGeom>
+          <a:noFill/>
+        </p:spPr>
+        <p:txBody>
+          <a:bodyPr wrap="square" rtlCol="0">
+            <a:spAutoFit/>
+          </a:bodyPr>
+          <a:lstStyle/>
+          <a:p>
+            <a:r>
+              <a:rPr lang="zh-CN" altLang="en-US" sz="1000" dirty="0" smtClean="0">
+                <a:latin typeface="+mj-ea"/>
+                <a:ea typeface="+mj-ea"/>
+              </a:rPr>
+              <a:t>首页 </a:t>
+            </a:r>
+            <a:r>
+              <a:rPr lang="en-US" altLang="zh-CN" sz="1000" dirty="0" smtClean="0">
+                <a:latin typeface="+mj-ea"/>
+                <a:ea typeface="+mj-ea"/>
+              </a:rPr>
+              <a:t>| </a:t>
+            </a:r>
+            <a:r>
+              <a:rPr lang="zh-CN" altLang="en-US" sz="1000" dirty="0" smtClean="0">
+                <a:latin typeface="+mj-ea"/>
+                <a:ea typeface="+mj-ea"/>
+              </a:rPr>
+              <a:t>场地与资源 </a:t>
+            </a:r>
+            <a:r>
+              <a:rPr lang="en-US" altLang="zh-CN" sz="1000" dirty="0" smtClean="0">
+                <a:latin typeface="+mj-ea"/>
+                <a:ea typeface="+mj-ea"/>
+              </a:rPr>
+              <a:t>| </a:t>
+            </a:r>
+            <a:r>
+              <a:rPr lang="zh-CN" altLang="en-US" sz="1000" dirty="0" smtClean="0">
+                <a:latin typeface="+mj-ea"/>
+                <a:ea typeface="+mj-ea"/>
+              </a:rPr>
+              <a:t>新闻 </a:t>
+            </a:r>
+            <a:r>
+              <a:rPr lang="en-US" altLang="zh-CN" sz="1000" dirty="0" smtClean="0">
+                <a:latin typeface="+mj-ea"/>
+                <a:ea typeface="+mj-ea"/>
+              </a:rPr>
+              <a:t>| </a:t>
+            </a:r>
+            <a:r>
+              <a:rPr lang="zh-CN" altLang="en-US" sz="1000" dirty="0" smtClean="0">
+                <a:latin typeface="+mj-ea"/>
+                <a:ea typeface="+mj-ea"/>
+              </a:rPr>
+              <a:t>课程与活动 </a:t>
+            </a:r>
+            <a:r>
+              <a:rPr lang="en-US" altLang="zh-CN" sz="1000" dirty="0" smtClean="0">
+                <a:latin typeface="+mj-ea"/>
+                <a:ea typeface="+mj-ea"/>
+              </a:rPr>
+              <a:t>| </a:t>
+            </a:r>
+            <a:r>
+              <a:rPr lang="zh-CN" altLang="en-US" sz="1000" dirty="0" smtClean="0">
+                <a:latin typeface="+mj-ea"/>
+                <a:ea typeface="+mj-ea"/>
+              </a:rPr>
+              <a:t>项目 </a:t>
+            </a:r>
+            <a:r>
+              <a:rPr lang="en-US" altLang="zh-CN" sz="1000" dirty="0" smtClean="0">
+                <a:latin typeface="+mj-ea"/>
+                <a:ea typeface="+mj-ea"/>
+              </a:rPr>
+              <a:t>| </a:t>
+            </a:r>
+            <a:r>
+              <a:rPr lang="zh-CN" altLang="en-US" sz="1000" dirty="0" smtClean="0">
+                <a:latin typeface="+mj-ea"/>
+                <a:ea typeface="+mj-ea"/>
+              </a:rPr>
+              <a:t>驻校导师 </a:t>
+            </a:r>
+            <a:r>
+              <a:rPr lang="en-US" altLang="zh-CN" sz="1000" dirty="0" smtClean="0">
+                <a:latin typeface="+mj-ea"/>
+                <a:ea typeface="+mj-ea"/>
+              </a:rPr>
+              <a:t>| </a:t>
+            </a:r>
+            <a:r>
+              <a:rPr lang="zh-CN" altLang="en-US" sz="1000" dirty="0">
+                <a:latin typeface="+mj-ea"/>
+                <a:ea typeface="+mj-ea"/>
+              </a:rPr>
+              <a:t>开放</a:t>
+            </a:r>
+            <a:r>
+              <a:rPr lang="zh-CN" altLang="en-US" sz="1000" dirty="0" smtClean="0">
+                <a:latin typeface="+mj-ea"/>
+                <a:ea typeface="+mj-ea"/>
+              </a:rPr>
+              <a:t>课程 </a:t>
+            </a:r>
+            <a:r>
+              <a:rPr lang="en-US" altLang="zh-CN" sz="1000" dirty="0" smtClean="0">
+                <a:latin typeface="+mj-ea"/>
+                <a:ea typeface="+mj-ea"/>
+              </a:rPr>
+              <a:t>| </a:t>
+            </a:r>
+            <a:r>
+              <a:rPr lang="zh-CN" altLang="en-US" sz="1000" dirty="0" smtClean="0">
+                <a:latin typeface="+mj-ea"/>
+                <a:ea typeface="+mj-ea"/>
+              </a:rPr>
+              <a:t>云平台 </a:t>
+            </a:r>
+            <a:r>
+              <a:rPr lang="en-US" altLang="zh-CN" sz="1000" dirty="0" smtClean="0">
+                <a:latin typeface="+mj-ea"/>
+                <a:ea typeface="+mj-ea"/>
+              </a:rPr>
+              <a:t>| </a:t>
+            </a:r>
+            <a:r>
+              <a:rPr lang="zh-CN" altLang="en-US" sz="1000" dirty="0" smtClean="0">
+                <a:latin typeface="+mj-ea"/>
+                <a:ea typeface="+mj-ea"/>
+              </a:rPr>
+              <a:t>在线课堂 </a:t>
+            </a:r>
+            <a:r>
+              <a:rPr lang="en-US" altLang="zh-CN" sz="1000" dirty="0" smtClean="0">
+                <a:latin typeface="+mj-ea"/>
+                <a:ea typeface="+mj-ea"/>
+              </a:rPr>
+              <a:t>| </a:t>
+            </a:r>
+            <a:r>
+              <a:rPr lang="zh-CN" altLang="en-US" sz="1000" dirty="0" smtClean="0">
+                <a:latin typeface="+mj-ea"/>
+                <a:ea typeface="+mj-ea"/>
+              </a:rPr>
+              <a:t>创客教育基地联盟</a:t>
+            </a:r>
+            <a:endParaRPr lang="en-US" altLang="zh-CN" sz="1000" dirty="0" smtClean="0">
+              <a:latin typeface="+mj-ea"/>
+              <a:ea typeface="+mj-ea"/>
+            </a:endParaRPr>
+          </a:p>
+        </p:txBody>
+      </p:sp>
+      <p:sp>
+        <p:nvSpPr>
+          <p:cNvPr id="18" name="文本框 17"/>
+          <p:cNvSpPr txBox="1"/>
+          <p:nvPr/>
+        </p:nvSpPr>
+        <p:spPr>
+          <a:xfrm>
+            <a:off x="1404814" y="1680760"/>
+            <a:ext cx="720080" cy="246221"/>
+          </a:xfrm>
+          <a:prstGeom prst="rect">
+            <a:avLst/>
+          </a:prstGeom>
+        </p:spPr>
+        <p:style>
+          <a:lnRef idx="2">
+            <a:schemeClr val="dk1"/>
+          </a:lnRef>
+          <a:fillRef idx="1">
+            <a:schemeClr val="lt1"/>
+          </a:fillRef>
+          <a:effectRef idx="0">
+            <a:schemeClr val="dk1"/>
+          </a:effectRef>
+          <a:fontRef idx="minor">
+            <a:schemeClr val="dk1"/>
+          </a:fontRef>
+        </p:style>
+        <p:txBody>
+          <a:bodyPr wrap="square" rtlCol="0">
+            <a:spAutoFit/>
+          </a:bodyPr>
+          <a:lstStyle>
+            <a:defPPr>
+              <a:defRPr lang="zh-CN"/>
+            </a:defPPr>
+            <a:lvl1pPr marL="285750" indent="-285750">
+              <a:buFont typeface="Arial" panose="020B0604020202020204" pitchFamily="34" charset="0"/>
+              <a:buChar char="•"/>
+              <a:defRPr sz="1600">
+                <a:solidFill>
+                  <a:schemeClr val="lt1"/>
+                </a:solidFill>
+                <a:latin typeface="+mj-ea"/>
+                <a:ea typeface="+mj-ea"/>
+              </a:defRPr>
+            </a:lvl1pPr>
+            <a:lvl2pPr marL="742950" lvl="1" indent="-285750">
+              <a:buFont typeface="Arial" panose="020B0604020202020204" pitchFamily="34" charset="0"/>
+              <a:buChar char="•"/>
+              <a:defRPr sz="1600">
+                <a:solidFill>
+                  <a:schemeClr val="lt1"/>
+                </a:solidFill>
+                <a:latin typeface="+mj-ea"/>
+                <a:ea typeface="+mj-ea"/>
+              </a:defRPr>
+            </a:lvl2pPr>
+            <a:lvl3pPr>
+              <a:defRPr>
+                <a:solidFill>
+                  <a:schemeClr val="lt1"/>
+                </a:solidFill>
+              </a:defRPr>
+            </a:lvl3pPr>
+            <a:lvl4pPr>
+              <a:defRPr>
+                <a:solidFill>
+                  <a:schemeClr val="lt1"/>
+                </a:solidFill>
+              </a:defRPr>
+            </a:lvl4pPr>
+            <a:lvl5pPr>
+              <a:defRPr>
+                <a:solidFill>
+                  <a:schemeClr val="lt1"/>
+                </a:solidFill>
+              </a:defRPr>
+            </a:lvl5pPr>
+            <a:lvl6pPr>
+              <a:defRPr>
+                <a:solidFill>
+                  <a:schemeClr val="lt1"/>
+                </a:solidFill>
+              </a:defRPr>
+            </a:lvl6pPr>
+            <a:lvl7pPr>
+              <a:defRPr>
+                <a:solidFill>
+                  <a:schemeClr val="lt1"/>
+                </a:solidFill>
+              </a:defRPr>
+            </a:lvl7pPr>
+            <a:lvl8pPr>
+              <a:defRPr>
+                <a:solidFill>
+                  <a:schemeClr val="lt1"/>
+                </a:solidFill>
+              </a:defRPr>
+            </a:lvl8pPr>
+            <a:lvl9pPr>
+              <a:defRPr>
+                <a:solidFill>
+                  <a:schemeClr val="lt1"/>
+                </a:solidFill>
+              </a:defRPr>
+            </a:lvl9pPr>
+          </a:lstStyle>
+          <a:p>
+            <a:pPr marL="0" indent="0">
+              <a:buNone/>
+            </a:pPr>
+            <a:r>
+              <a:rPr lang="zh-CN" altLang="en-US" sz="1000" dirty="0" smtClean="0">
                 <a:solidFill>
                   <a:sysClr val="windowText" lastClr="000000"/>
                 </a:solidFill>
-                <a:latin typeface="微软雅黑" pitchFamily="34" charset="-122"/>
-                <a:ea typeface="微软雅黑" pitchFamily="34" charset="-122"/>
-              </a:rPr>
-              <a:t>首页</a:t>
-            </a:r>
-            <a:endParaRPr lang="en-US" altLang="zh-CN" sz="1200" dirty="0" smtClean="0">
+              </a:rPr>
+              <a:t>特色项目</a:t>
+            </a:r>
+            <a:endParaRPr lang="en-US" altLang="zh-CN" sz="1000" dirty="0">
               <a:solidFill>
                 <a:sysClr val="windowText" lastClr="000000"/>
               </a:solidFill>
+            </a:endParaRPr>
+          </a:p>
+        </p:txBody>
+      </p:sp>
+      <p:sp>
+        <p:nvSpPr>
+          <p:cNvPr id="19" name="文本框 18"/>
+          <p:cNvSpPr txBox="1"/>
+          <p:nvPr/>
+        </p:nvSpPr>
+        <p:spPr>
+          <a:xfrm>
+            <a:off x="2196902" y="1680760"/>
+            <a:ext cx="720080" cy="246221"/>
+          </a:xfrm>
+          <a:prstGeom prst="rect">
+            <a:avLst/>
+          </a:prstGeom>
+        </p:spPr>
+        <p:style>
+          <a:lnRef idx="2">
+            <a:schemeClr val="dk1"/>
+          </a:lnRef>
+          <a:fillRef idx="1">
+            <a:schemeClr val="lt1"/>
+          </a:fillRef>
+          <a:effectRef idx="0">
+            <a:schemeClr val="dk1"/>
+          </a:effectRef>
+          <a:fontRef idx="minor">
+            <a:schemeClr val="dk1"/>
+          </a:fontRef>
+        </p:style>
+        <p:txBody>
+          <a:bodyPr wrap="square" rtlCol="0">
+            <a:spAutoFit/>
+          </a:bodyPr>
+          <a:lstStyle>
+            <a:defPPr>
+              <a:defRPr lang="zh-CN"/>
+            </a:defPPr>
+            <a:lvl1pPr marL="285750" indent="-285750">
+              <a:buFont typeface="Arial" panose="020B0604020202020204" pitchFamily="34" charset="0"/>
+              <a:buChar char="•"/>
+              <a:defRPr sz="1600">
+                <a:solidFill>
+                  <a:schemeClr val="lt1"/>
+                </a:solidFill>
+                <a:latin typeface="+mj-ea"/>
+                <a:ea typeface="+mj-ea"/>
+              </a:defRPr>
+            </a:lvl1pPr>
+            <a:lvl2pPr marL="742950" lvl="1" indent="-285750">
+              <a:buFont typeface="Arial" panose="020B0604020202020204" pitchFamily="34" charset="0"/>
+              <a:buChar char="•"/>
+              <a:defRPr sz="1600">
+                <a:solidFill>
+                  <a:schemeClr val="lt1"/>
+                </a:solidFill>
+                <a:latin typeface="+mj-ea"/>
+                <a:ea typeface="+mj-ea"/>
+              </a:defRPr>
+            </a:lvl2pPr>
+            <a:lvl3pPr>
+              <a:defRPr>
+                <a:solidFill>
+                  <a:schemeClr val="lt1"/>
+                </a:solidFill>
+              </a:defRPr>
+            </a:lvl3pPr>
+            <a:lvl4pPr>
+              <a:defRPr>
+                <a:solidFill>
+                  <a:schemeClr val="lt1"/>
+                </a:solidFill>
+              </a:defRPr>
+            </a:lvl4pPr>
+            <a:lvl5pPr>
+              <a:defRPr>
+                <a:solidFill>
+                  <a:schemeClr val="lt1"/>
+                </a:solidFill>
+              </a:defRPr>
+            </a:lvl5pPr>
+            <a:lvl6pPr>
+              <a:defRPr>
+                <a:solidFill>
+                  <a:schemeClr val="lt1"/>
+                </a:solidFill>
+              </a:defRPr>
+            </a:lvl6pPr>
+            <a:lvl7pPr>
+              <a:defRPr>
+                <a:solidFill>
+                  <a:schemeClr val="lt1"/>
+                </a:solidFill>
+              </a:defRPr>
+            </a:lvl7pPr>
+            <a:lvl8pPr>
+              <a:defRPr>
+                <a:solidFill>
+                  <a:schemeClr val="lt1"/>
+                </a:solidFill>
+              </a:defRPr>
+            </a:lvl8pPr>
+            <a:lvl9pPr>
+              <a:defRPr>
+                <a:solidFill>
+                  <a:schemeClr val="lt1"/>
+                </a:solidFill>
+              </a:defRPr>
+            </a:lvl9pPr>
+          </a:lstStyle>
+          <a:p>
+            <a:pPr marL="0" indent="0">
+              <a:buNone/>
+            </a:pPr>
+            <a:r>
+              <a:rPr lang="zh-CN" altLang="en-US" sz="1000" dirty="0">
+                <a:solidFill>
+                  <a:sysClr val="windowText" lastClr="000000"/>
+                </a:solidFill>
+              </a:rPr>
+              <a:t>主题</a:t>
+            </a:r>
+            <a:r>
+              <a:rPr lang="zh-CN" altLang="en-US" sz="1000" dirty="0" smtClean="0">
+                <a:solidFill>
+                  <a:sysClr val="windowText" lastClr="000000"/>
+                </a:solidFill>
+              </a:rPr>
+              <a:t>活动</a:t>
+            </a:r>
+            <a:endParaRPr lang="en-US" altLang="zh-CN" sz="1000" dirty="0">
+              <a:solidFill>
+                <a:sysClr val="windowText" lastClr="000000"/>
+              </a:solidFill>
+            </a:endParaRPr>
+          </a:p>
+        </p:txBody>
+      </p:sp>
+      <p:sp>
+        <p:nvSpPr>
+          <p:cNvPr id="20" name="文本框 19"/>
+          <p:cNvSpPr txBox="1"/>
+          <p:nvPr/>
+        </p:nvSpPr>
+        <p:spPr>
+          <a:xfrm>
+            <a:off x="2988990" y="1680760"/>
+            <a:ext cx="720080" cy="246221"/>
+          </a:xfrm>
+          <a:prstGeom prst="rect">
+            <a:avLst/>
+          </a:prstGeom>
+        </p:spPr>
+        <p:style>
+          <a:lnRef idx="2">
+            <a:schemeClr val="dk1"/>
+          </a:lnRef>
+          <a:fillRef idx="1">
+            <a:schemeClr val="lt1"/>
+          </a:fillRef>
+          <a:effectRef idx="0">
+            <a:schemeClr val="dk1"/>
+          </a:effectRef>
+          <a:fontRef idx="minor">
+            <a:schemeClr val="dk1"/>
+          </a:fontRef>
+        </p:style>
+        <p:txBody>
+          <a:bodyPr wrap="square" rtlCol="0">
+            <a:spAutoFit/>
+          </a:bodyPr>
+          <a:lstStyle>
+            <a:defPPr>
+              <a:defRPr lang="zh-CN"/>
+            </a:defPPr>
+            <a:lvl1pPr marL="285750" indent="-285750">
+              <a:buFont typeface="Arial" panose="020B0604020202020204" pitchFamily="34" charset="0"/>
+              <a:buChar char="•"/>
+              <a:defRPr sz="1600">
+                <a:solidFill>
+                  <a:schemeClr val="lt1"/>
+                </a:solidFill>
+                <a:latin typeface="+mj-ea"/>
+                <a:ea typeface="+mj-ea"/>
+              </a:defRPr>
+            </a:lvl1pPr>
+            <a:lvl2pPr marL="742950" lvl="1" indent="-285750">
+              <a:buFont typeface="Arial" panose="020B0604020202020204" pitchFamily="34" charset="0"/>
+              <a:buChar char="•"/>
+              <a:defRPr sz="1600">
+                <a:solidFill>
+                  <a:schemeClr val="lt1"/>
+                </a:solidFill>
+                <a:latin typeface="+mj-ea"/>
+                <a:ea typeface="+mj-ea"/>
+              </a:defRPr>
+            </a:lvl2pPr>
+            <a:lvl3pPr>
+              <a:defRPr>
+                <a:solidFill>
+                  <a:schemeClr val="lt1"/>
+                </a:solidFill>
+              </a:defRPr>
+            </a:lvl3pPr>
+            <a:lvl4pPr>
+              <a:defRPr>
+                <a:solidFill>
+                  <a:schemeClr val="lt1"/>
+                </a:solidFill>
+              </a:defRPr>
+            </a:lvl4pPr>
+            <a:lvl5pPr>
+              <a:defRPr>
+                <a:solidFill>
+                  <a:schemeClr val="lt1"/>
+                </a:solidFill>
+              </a:defRPr>
+            </a:lvl5pPr>
+            <a:lvl6pPr>
+              <a:defRPr>
+                <a:solidFill>
+                  <a:schemeClr val="lt1"/>
+                </a:solidFill>
+              </a:defRPr>
+            </a:lvl6pPr>
+            <a:lvl7pPr>
+              <a:defRPr>
+                <a:solidFill>
+                  <a:schemeClr val="lt1"/>
+                </a:solidFill>
+              </a:defRPr>
+            </a:lvl7pPr>
+            <a:lvl8pPr>
+              <a:defRPr>
+                <a:solidFill>
+                  <a:schemeClr val="lt1"/>
+                </a:solidFill>
+              </a:defRPr>
+            </a:lvl8pPr>
+            <a:lvl9pPr>
+              <a:defRPr>
+                <a:solidFill>
+                  <a:schemeClr val="lt1"/>
+                </a:solidFill>
+              </a:defRPr>
+            </a:lvl9pPr>
+          </a:lstStyle>
+          <a:p>
+            <a:pPr marL="0" indent="0">
+              <a:buNone/>
+            </a:pPr>
+            <a:r>
+              <a:rPr lang="zh-CN" altLang="en-US" sz="1000" dirty="0">
+                <a:solidFill>
+                  <a:sysClr val="windowText" lastClr="000000"/>
+                </a:solidFill>
+              </a:rPr>
+              <a:t>最新</a:t>
+            </a:r>
+            <a:r>
+              <a:rPr lang="zh-CN" altLang="en-US" sz="1000" dirty="0" smtClean="0">
+                <a:solidFill>
+                  <a:sysClr val="windowText" lastClr="000000"/>
+                </a:solidFill>
+              </a:rPr>
+              <a:t>课程</a:t>
+            </a:r>
+            <a:endParaRPr lang="en-US" altLang="zh-CN" sz="1000" dirty="0">
+              <a:solidFill>
+                <a:sysClr val="windowText" lastClr="000000"/>
+              </a:solidFill>
+            </a:endParaRPr>
+          </a:p>
+        </p:txBody>
+      </p:sp>
+      <p:sp>
+        <p:nvSpPr>
+          <p:cNvPr id="7" name="矩形 6"/>
+          <p:cNvSpPr/>
+          <p:nvPr/>
+        </p:nvSpPr>
+        <p:spPr>
+          <a:xfrm>
+            <a:off x="4860032" y="3684312"/>
+            <a:ext cx="108000" cy="108000"/>
+          </a:xfrm>
+          <a:prstGeom prst="rect">
+            <a:avLst/>
+          </a:prstGeom>
+          <a:ln w="19050"/>
+        </p:spPr>
+        <p:style>
+          <a:lnRef idx="2">
+            <a:schemeClr val="dk1"/>
+          </a:lnRef>
+          <a:fillRef idx="1">
+            <a:schemeClr val="lt1"/>
+          </a:fillRef>
+          <a:effectRef idx="0">
+            <a:schemeClr val="dk1"/>
+          </a:effectRef>
+          <a:fontRef idx="minor">
+            <a:schemeClr val="dk1"/>
+          </a:fontRef>
+        </p:style>
+        <p:txBody>
+          <a:bodyPr wrap="square" rtlCol="0" anchor="ctr">
+            <a:spAutoFit/>
+          </a:bodyPr>
+          <a:lstStyle/>
+          <a:p>
+            <a:pPr algn="ctr" fontAlgn="base"/>
+            <a:endParaRPr lang="zh-CN" altLang="en-US" sz="1200" dirty="0">
               <a:latin typeface="微软雅黑" pitchFamily="34" charset="-122"/>
               <a:ea typeface="微软雅黑" pitchFamily="34" charset="-122"/>
+              <a:hlinkClick r:id="rId2" tooltip="中心概况"/>
             </a:endParaRPr>
           </a:p>
         </p:txBody>
       </p:sp>
       <p:sp>
         <p:nvSpPr>
-          <p:cNvPr id="6" name="圆角矩形 5"/>
+          <p:cNvPr id="21" name="矩形 20"/>
           <p:cNvSpPr/>
           <p:nvPr/>
         </p:nvSpPr>
         <p:spPr>
           <a:xfrm>
-            <a:off x="836575" y="800871"/>
-            <a:ext cx="864096" cy="360040"/>
+            <a:off x="5022056" y="3684312"/>
+            <a:ext cx="108000" cy="108000"/>
           </a:xfrm>
-          <a:prstGeom prst="roundRect">
+          <a:prstGeom prst="rect">
+            <a:avLst/>
+          </a:prstGeom>
+          <a:ln w="19050"/>
+        </p:spPr>
+        <p:style>
+          <a:lnRef idx="2">
+            <a:schemeClr val="dk1"/>
+          </a:lnRef>
+          <a:fillRef idx="1">
+            <a:schemeClr val="lt1"/>
+          </a:fillRef>
+          <a:effectRef idx="0">
+            <a:schemeClr val="dk1"/>
+          </a:effectRef>
+          <a:fontRef idx="minor">
+            <a:schemeClr val="dk1"/>
+          </a:fontRef>
+        </p:style>
+        <p:txBody>
+          <a:bodyPr wrap="square" rtlCol="0" anchor="ctr">
+            <a:spAutoFit/>
+          </a:bodyPr>
+          <a:lstStyle/>
+          <a:p>
+            <a:pPr algn="ctr" fontAlgn="base"/>
+            <a:endParaRPr lang="zh-CN" altLang="en-US" sz="1200" dirty="0">
+              <a:latin typeface="微软雅黑" pitchFamily="34" charset="-122"/>
+              <a:ea typeface="微软雅黑" pitchFamily="34" charset="-122"/>
+              <a:hlinkClick r:id="rId2" tooltip="中心概况"/>
+            </a:endParaRPr>
+          </a:p>
+        </p:txBody>
+      </p:sp>
+      <p:sp>
+        <p:nvSpPr>
+          <p:cNvPr id="22" name="矩形 21"/>
+          <p:cNvSpPr/>
+          <p:nvPr/>
+        </p:nvSpPr>
+        <p:spPr>
+          <a:xfrm>
+            <a:off x="5183522" y="3684312"/>
+            <a:ext cx="108000" cy="108000"/>
+          </a:xfrm>
+          <a:prstGeom prst="rect">
+            <a:avLst/>
+          </a:prstGeom>
+          <a:ln w="19050"/>
+        </p:spPr>
+        <p:style>
+          <a:lnRef idx="2">
+            <a:schemeClr val="dk1"/>
+          </a:lnRef>
+          <a:fillRef idx="1">
+            <a:schemeClr val="lt1"/>
+          </a:fillRef>
+          <a:effectRef idx="0">
+            <a:schemeClr val="dk1"/>
+          </a:effectRef>
+          <a:fontRef idx="minor">
+            <a:schemeClr val="dk1"/>
+          </a:fontRef>
+        </p:style>
+        <p:txBody>
+          <a:bodyPr wrap="square" rtlCol="0" anchor="ctr">
+            <a:spAutoFit/>
+          </a:bodyPr>
+          <a:lstStyle/>
+          <a:p>
+            <a:pPr algn="ctr" fontAlgn="base"/>
+            <a:endParaRPr lang="zh-CN" altLang="en-US" sz="1200" dirty="0">
+              <a:latin typeface="微软雅黑" pitchFamily="34" charset="-122"/>
+              <a:ea typeface="微软雅黑" pitchFamily="34" charset="-122"/>
+              <a:hlinkClick r:id="rId2" tooltip="中心概况"/>
+            </a:endParaRPr>
+          </a:p>
+        </p:txBody>
+      </p:sp>
+      <p:sp>
+        <p:nvSpPr>
+          <p:cNvPr id="23" name="矩形 22"/>
+          <p:cNvSpPr/>
+          <p:nvPr/>
+        </p:nvSpPr>
+        <p:spPr>
+          <a:xfrm>
+            <a:off x="5344988" y="3686647"/>
+            <a:ext cx="108000" cy="108000"/>
+          </a:xfrm>
+          <a:prstGeom prst="rect">
             <a:avLst/>
           </a:prstGeom>
           <a:solidFill>
-            <a:schemeClr val="bg1"/>
+            <a:schemeClr val="tx1">
+              <a:lumMod val="50000"/>
+              <a:lumOff val="50000"/>
+            </a:schemeClr>
           </a:solidFill>
           <a:ln w="19050">
             <a:solidFill>
@@ -3124,1252 +5342,248 @@
         </p:spPr>
         <p:style>
           <a:lnRef idx="2">
-            <a:schemeClr val="accent1">
+            <a:schemeClr val="dk1"/>
+          </a:lnRef>
+          <a:fillRef idx="1">
+            <a:schemeClr val="lt1"/>
+          </a:fillRef>
+          <a:effectRef idx="0">
+            <a:schemeClr val="dk1"/>
+          </a:effectRef>
+          <a:fontRef idx="minor">
+            <a:schemeClr val="dk1"/>
+          </a:fontRef>
+        </p:style>
+        <p:txBody>
+          <a:bodyPr wrap="square" rtlCol="0" anchor="ctr">
+            <a:spAutoFit/>
+          </a:bodyPr>
+          <a:lstStyle/>
+          <a:p>
+            <a:pPr algn="ctr" fontAlgn="base"/>
+            <a:endParaRPr lang="zh-CN" altLang="en-US" sz="1200" dirty="0">
+              <a:latin typeface="微软雅黑" pitchFamily="34" charset="-122"/>
+              <a:ea typeface="微软雅黑" pitchFamily="34" charset="-122"/>
+              <a:hlinkClick r:id="rId2" tooltip="中心概况"/>
+            </a:endParaRPr>
+          </a:p>
+        </p:txBody>
+      </p:sp>
+      <p:sp>
+        <p:nvSpPr>
+          <p:cNvPr id="24" name="矩形 23"/>
+          <p:cNvSpPr/>
+          <p:nvPr/>
+        </p:nvSpPr>
+        <p:spPr>
+          <a:xfrm>
+            <a:off x="5508306" y="3684312"/>
+            <a:ext cx="108000" cy="108000"/>
+          </a:xfrm>
+          <a:prstGeom prst="rect">
+            <a:avLst/>
+          </a:prstGeom>
+          <a:ln w="19050"/>
+        </p:spPr>
+        <p:style>
+          <a:lnRef idx="2">
+            <a:schemeClr val="dk1"/>
+          </a:lnRef>
+          <a:fillRef idx="1">
+            <a:schemeClr val="lt1"/>
+          </a:fillRef>
+          <a:effectRef idx="0">
+            <a:schemeClr val="dk1"/>
+          </a:effectRef>
+          <a:fontRef idx="minor">
+            <a:schemeClr val="dk1"/>
+          </a:fontRef>
+        </p:style>
+        <p:txBody>
+          <a:bodyPr wrap="square" rtlCol="0" anchor="ctr">
+            <a:spAutoFit/>
+          </a:bodyPr>
+          <a:lstStyle/>
+          <a:p>
+            <a:pPr algn="ctr" fontAlgn="base"/>
+            <a:endParaRPr lang="zh-CN" altLang="en-US" sz="1200" dirty="0">
+              <a:latin typeface="微软雅黑" pitchFamily="34" charset="-122"/>
+              <a:ea typeface="微软雅黑" pitchFamily="34" charset="-122"/>
+              <a:hlinkClick r:id="rId2" tooltip="中心概况"/>
+            </a:endParaRPr>
+          </a:p>
+        </p:txBody>
+      </p:sp>
+      <p:sp>
+        <p:nvSpPr>
+          <p:cNvPr id="25" name="文本框 24"/>
+          <p:cNvSpPr txBox="1"/>
+          <p:nvPr/>
+        </p:nvSpPr>
+        <p:spPr>
+          <a:xfrm>
+            <a:off x="6300192" y="2969063"/>
+            <a:ext cx="1496690" cy="3508666"/>
+          </a:xfrm>
+          <a:prstGeom prst="rect">
+            <a:avLst/>
+          </a:prstGeom>
+        </p:spPr>
+        <p:style>
+          <a:lnRef idx="2">
+            <a:schemeClr val="accent3">
               <a:shade val="50000"/>
             </a:schemeClr>
           </a:lnRef>
           <a:fillRef idx="1">
-            <a:schemeClr val="accent1"/>
+            <a:schemeClr val="accent3"/>
           </a:fillRef>
           <a:effectRef idx="0">
-            <a:schemeClr val="accent1"/>
+            <a:schemeClr val="accent3"/>
           </a:effectRef>
           <a:fontRef idx="minor">
             <a:schemeClr val="lt1"/>
           </a:fontRef>
         </p:style>
         <p:txBody>
-          <a:bodyPr rtlCol="0" anchor="ctr"/>
-          <a:lstStyle/>
-          <a:p>
-            <a:pPr algn="ctr"/>
-            <a:r>
-              <a:rPr lang="zh-CN" altLang="en-US" sz="1200" dirty="0" smtClean="0">
-                <a:solidFill>
-                  <a:sysClr val="windowText" lastClr="000000"/>
-                </a:solidFill>
-                <a:latin typeface="微软雅黑" pitchFamily="34" charset="-122"/>
-                <a:ea typeface="微软雅黑" pitchFamily="34" charset="-122"/>
-              </a:rPr>
-              <a:t>中心简介</a:t>
-            </a:r>
-            <a:endParaRPr lang="en-US" altLang="zh-CN" sz="1200" dirty="0" smtClean="0">
-              <a:solidFill>
-                <a:sysClr val="windowText" lastClr="000000"/>
-              </a:solidFill>
-              <a:latin typeface="微软雅黑" pitchFamily="34" charset="-122"/>
-              <a:ea typeface="微软雅黑" pitchFamily="34" charset="-122"/>
-            </a:endParaRPr>
-          </a:p>
-        </p:txBody>
-      </p:sp>
-      <p:sp>
-        <p:nvSpPr>
-          <p:cNvPr id="7" name="圆角矩形 6"/>
-          <p:cNvSpPr/>
+          <a:bodyPr wrap="square" rtlCol="0">
+            <a:noAutofit/>
+          </a:bodyPr>
+          <a:lstStyle>
+            <a:defPPr>
+              <a:defRPr lang="zh-CN"/>
+            </a:defPPr>
+            <a:lvl1pPr marL="285750" indent="-285750">
+              <a:buFont typeface="Arial" panose="020B0604020202020204" pitchFamily="34" charset="0"/>
+              <a:buChar char="•"/>
+              <a:defRPr sz="1600">
+                <a:solidFill>
+                  <a:schemeClr val="lt1"/>
+                </a:solidFill>
+                <a:latin typeface="+mj-ea"/>
+                <a:ea typeface="+mj-ea"/>
+              </a:defRPr>
+            </a:lvl1pPr>
+            <a:lvl2pPr marL="742950" lvl="1" indent="-285750">
+              <a:buFont typeface="Arial" panose="020B0604020202020204" pitchFamily="34" charset="0"/>
+              <a:buChar char="•"/>
+              <a:defRPr sz="1600">
+                <a:solidFill>
+                  <a:schemeClr val="lt1"/>
+                </a:solidFill>
+                <a:latin typeface="+mj-ea"/>
+                <a:ea typeface="+mj-ea"/>
+              </a:defRPr>
+            </a:lvl2pPr>
+            <a:lvl3pPr>
+              <a:defRPr>
+                <a:solidFill>
+                  <a:schemeClr val="lt1"/>
+                </a:solidFill>
+              </a:defRPr>
+            </a:lvl3pPr>
+            <a:lvl4pPr>
+              <a:defRPr>
+                <a:solidFill>
+                  <a:schemeClr val="lt1"/>
+                </a:solidFill>
+              </a:defRPr>
+            </a:lvl4pPr>
+            <a:lvl5pPr>
+              <a:defRPr>
+                <a:solidFill>
+                  <a:schemeClr val="lt1"/>
+                </a:solidFill>
+              </a:defRPr>
+            </a:lvl5pPr>
+            <a:lvl6pPr>
+              <a:defRPr>
+                <a:solidFill>
+                  <a:schemeClr val="lt1"/>
+                </a:solidFill>
+              </a:defRPr>
+            </a:lvl6pPr>
+            <a:lvl7pPr>
+              <a:defRPr>
+                <a:solidFill>
+                  <a:schemeClr val="lt1"/>
+                </a:solidFill>
+              </a:defRPr>
+            </a:lvl7pPr>
+            <a:lvl8pPr>
+              <a:defRPr>
+                <a:solidFill>
+                  <a:schemeClr val="lt1"/>
+                </a:solidFill>
+              </a:defRPr>
+            </a:lvl8pPr>
+            <a:lvl9pPr>
+              <a:defRPr>
+                <a:solidFill>
+                  <a:schemeClr val="lt1"/>
+                </a:solidFill>
+              </a:defRPr>
+            </a:lvl9pPr>
+          </a:lstStyle>
+          <a:p>
+            <a:pPr marL="0" indent="0" algn="ctr">
+              <a:lnSpc>
+                <a:spcPct val="300000"/>
+              </a:lnSpc>
+              <a:buNone/>
+            </a:pPr>
+            <a:r>
+              <a:rPr lang="zh-CN" altLang="en-US" sz="1000" dirty="0" smtClean="0"/>
+              <a:t>近期活动</a:t>
+            </a:r>
+            <a:endParaRPr lang="en-US" altLang="zh-CN" sz="1000" dirty="0"/>
+          </a:p>
+        </p:txBody>
+      </p:sp>
+      <p:pic>
+        <p:nvPicPr>
+          <p:cNvPr id="10" name="图片 9"/>
+          <p:cNvPicPr>
+            <a:picLocks noChangeAspect="1"/>
+          </p:cNvPicPr>
           <p:nvPr/>
-        </p:nvSpPr>
+        </p:nvPicPr>
+        <p:blipFill>
+          <a:blip r:embed="rId4" cstate="print">
+            <a:extLst>
+              <a:ext uri="{28A0092B-C50C-407E-A947-70E740481C1C}">
+                <a14:useLocalDpi xmlns:a14="http://schemas.microsoft.com/office/drawing/2010/main" val="0"/>
+              </a:ext>
+            </a:extLst>
+          </a:blip>
+          <a:stretch>
+            <a:fillRect/>
+          </a:stretch>
+        </p:blipFill>
         <p:spPr>
           <a:xfrm>
-            <a:off x="1853678" y="800871"/>
-            <a:ext cx="864096" cy="360040"/>
+            <a:off x="6446742" y="3767602"/>
+            <a:ext cx="309470" cy="309470"/>
           </a:xfrm>
-          <a:prstGeom prst="roundRect">
+          <a:prstGeom prst="ellipse">
             <a:avLst/>
           </a:prstGeom>
-          <a:solidFill>
-            <a:schemeClr val="bg1"/>
-          </a:solidFill>
-          <a:ln w="19050">
-            <a:solidFill>
-              <a:schemeClr val="tx1"/>
-            </a:solidFill>
+          <a:ln>
+            <a:noFill/>
           </a:ln>
+          <a:effectLst/>
         </p:spPr>
-        <p:style>
-          <a:lnRef idx="2">
-            <a:schemeClr val="accent1">
-              <a:shade val="50000"/>
-            </a:schemeClr>
-          </a:lnRef>
-          <a:fillRef idx="1">
-            <a:schemeClr val="accent1"/>
-          </a:fillRef>
-          <a:effectRef idx="0">
-            <a:schemeClr val="accent1"/>
-          </a:effectRef>
-          <a:fontRef idx="minor">
-            <a:schemeClr val="lt1"/>
-          </a:fontRef>
-        </p:style>
-        <p:txBody>
-          <a:bodyPr rtlCol="0" anchor="ctr"/>
-          <a:lstStyle/>
-          <a:p>
-            <a:pPr algn="ctr"/>
-            <a:r>
-              <a:rPr lang="zh-CN" altLang="en-US" sz="1200" dirty="0" smtClean="0">
-                <a:solidFill>
-                  <a:sysClr val="windowText" lastClr="000000"/>
-                </a:solidFill>
-                <a:latin typeface="微软雅黑" pitchFamily="34" charset="-122"/>
-                <a:ea typeface="微软雅黑" pitchFamily="34" charset="-122"/>
-              </a:rPr>
-              <a:t>机构设置</a:t>
-            </a:r>
-            <a:endParaRPr lang="en-US" altLang="zh-CN" sz="1200" dirty="0" smtClean="0">
-              <a:solidFill>
-                <a:sysClr val="windowText" lastClr="000000"/>
-              </a:solidFill>
-              <a:latin typeface="微软雅黑" pitchFamily="34" charset="-122"/>
-              <a:ea typeface="微软雅黑" pitchFamily="34" charset="-122"/>
-            </a:endParaRPr>
-          </a:p>
-        </p:txBody>
-      </p:sp>
-      <p:sp>
-        <p:nvSpPr>
-          <p:cNvPr id="8" name="圆角矩形 7"/>
-          <p:cNvSpPr/>
+      </p:pic>
+      <p:sp>
+        <p:nvSpPr>
+          <p:cNvPr id="26" name="文本框 25"/>
+          <p:cNvSpPr txBox="1"/>
           <p:nvPr/>
         </p:nvSpPr>
         <p:spPr>
           <a:xfrm>
-            <a:off x="2870781" y="800871"/>
-            <a:ext cx="864096" cy="360040"/>
-          </a:xfrm>
-          <a:prstGeom prst="roundRect">
-            <a:avLst/>
-          </a:prstGeom>
-          <a:solidFill>
-            <a:schemeClr val="bg1"/>
-          </a:solidFill>
-          <a:ln w="19050">
-            <a:solidFill>
-              <a:schemeClr val="tx1"/>
-            </a:solidFill>
-          </a:ln>
-        </p:spPr>
-        <p:style>
-          <a:lnRef idx="2">
-            <a:schemeClr val="accent1">
-              <a:shade val="50000"/>
-            </a:schemeClr>
-          </a:lnRef>
-          <a:fillRef idx="1">
-            <a:schemeClr val="accent1"/>
-          </a:fillRef>
-          <a:effectRef idx="0">
-            <a:schemeClr val="accent1"/>
-          </a:effectRef>
-          <a:fontRef idx="minor">
-            <a:schemeClr val="lt1"/>
-          </a:fontRef>
-        </p:style>
-        <p:txBody>
-          <a:bodyPr rtlCol="0" anchor="ctr"/>
-          <a:lstStyle/>
-          <a:p>
-            <a:pPr algn="ctr"/>
-            <a:r>
-              <a:rPr lang="zh-CN" altLang="en-US" sz="1200" dirty="0" smtClean="0">
-                <a:solidFill>
-                  <a:sysClr val="windowText" lastClr="000000"/>
-                </a:solidFill>
-                <a:latin typeface="微软雅黑" pitchFamily="34" charset="-122"/>
-                <a:ea typeface="微软雅黑" pitchFamily="34" charset="-122"/>
-              </a:rPr>
-              <a:t>实践教学</a:t>
-            </a:r>
-            <a:endParaRPr lang="en-US" altLang="zh-CN" sz="1200" dirty="0" smtClean="0">
-              <a:solidFill>
-                <a:sysClr val="windowText" lastClr="000000"/>
-              </a:solidFill>
-              <a:latin typeface="微软雅黑" pitchFamily="34" charset="-122"/>
-              <a:ea typeface="微软雅黑" pitchFamily="34" charset="-122"/>
-            </a:endParaRPr>
-          </a:p>
-        </p:txBody>
-      </p:sp>
-      <p:sp>
-        <p:nvSpPr>
-          <p:cNvPr id="9" name="圆角矩形 8"/>
-          <p:cNvSpPr/>
-          <p:nvPr/>
-        </p:nvSpPr>
-        <p:spPr>
-          <a:xfrm>
-            <a:off x="3887884" y="800871"/>
-            <a:ext cx="864096" cy="360040"/>
-          </a:xfrm>
-          <a:prstGeom prst="roundRect">
-            <a:avLst/>
-          </a:prstGeom>
-          <a:solidFill>
-            <a:schemeClr val="bg1"/>
-          </a:solidFill>
-          <a:ln w="19050">
-            <a:solidFill>
-              <a:schemeClr val="tx1"/>
-            </a:solidFill>
-          </a:ln>
-        </p:spPr>
-        <p:style>
-          <a:lnRef idx="2">
-            <a:schemeClr val="accent1">
-              <a:shade val="50000"/>
-            </a:schemeClr>
-          </a:lnRef>
-          <a:fillRef idx="1">
-            <a:schemeClr val="accent1"/>
-          </a:fillRef>
-          <a:effectRef idx="0">
-            <a:schemeClr val="accent1"/>
-          </a:effectRef>
-          <a:fontRef idx="minor">
-            <a:schemeClr val="lt1"/>
-          </a:fontRef>
-        </p:style>
-        <p:txBody>
-          <a:bodyPr rtlCol="0" anchor="ctr"/>
-          <a:lstStyle/>
-          <a:p>
-            <a:pPr algn="ctr"/>
-            <a:r>
-              <a:rPr lang="zh-CN" altLang="en-US" sz="1200" dirty="0" smtClean="0">
-                <a:solidFill>
-                  <a:sysClr val="windowText" lastClr="000000"/>
-                </a:solidFill>
-                <a:latin typeface="微软雅黑" pitchFamily="34" charset="-122"/>
-                <a:ea typeface="微软雅黑" pitchFamily="34" charset="-122"/>
-              </a:rPr>
-              <a:t>教务教学</a:t>
-            </a:r>
-            <a:endParaRPr lang="en-US" altLang="zh-CN" sz="1200" dirty="0" smtClean="0">
-              <a:solidFill>
-                <a:sysClr val="windowText" lastClr="000000"/>
-              </a:solidFill>
-              <a:latin typeface="微软雅黑" pitchFamily="34" charset="-122"/>
-              <a:ea typeface="微软雅黑" pitchFamily="34" charset="-122"/>
-            </a:endParaRPr>
-          </a:p>
-        </p:txBody>
-      </p:sp>
-      <p:sp>
-        <p:nvSpPr>
-          <p:cNvPr id="10" name="圆角矩形 9"/>
-          <p:cNvSpPr/>
-          <p:nvPr/>
-        </p:nvSpPr>
-        <p:spPr>
-          <a:xfrm>
-            <a:off x="4904987" y="800871"/>
-            <a:ext cx="864096" cy="360040"/>
-          </a:xfrm>
-          <a:prstGeom prst="roundRect">
-            <a:avLst/>
-          </a:prstGeom>
-          <a:solidFill>
-            <a:schemeClr val="bg1"/>
-          </a:solidFill>
-          <a:ln w="19050">
-            <a:solidFill>
-              <a:schemeClr val="tx1"/>
-            </a:solidFill>
-          </a:ln>
-        </p:spPr>
-        <p:style>
-          <a:lnRef idx="2">
-            <a:schemeClr val="accent1">
-              <a:shade val="50000"/>
-            </a:schemeClr>
-          </a:lnRef>
-          <a:fillRef idx="1">
-            <a:schemeClr val="accent1"/>
-          </a:fillRef>
-          <a:effectRef idx="0">
-            <a:schemeClr val="accent1"/>
-          </a:effectRef>
-          <a:fontRef idx="minor">
-            <a:schemeClr val="lt1"/>
-          </a:fontRef>
-        </p:style>
-        <p:txBody>
-          <a:bodyPr rtlCol="0" anchor="ctr"/>
-          <a:lstStyle/>
-          <a:p>
-            <a:pPr algn="ctr"/>
-            <a:r>
-              <a:rPr lang="zh-CN" altLang="en-US" sz="1200" dirty="0" smtClean="0">
-                <a:solidFill>
-                  <a:sysClr val="windowText" lastClr="000000"/>
-                </a:solidFill>
-                <a:latin typeface="微软雅黑" pitchFamily="34" charset="-122"/>
-                <a:ea typeface="微软雅黑" pitchFamily="34" charset="-122"/>
-              </a:rPr>
-              <a:t>师资情况</a:t>
-            </a:r>
-            <a:endParaRPr lang="en-US" altLang="zh-CN" sz="1200" dirty="0" smtClean="0">
-              <a:solidFill>
-                <a:sysClr val="windowText" lastClr="000000"/>
-              </a:solidFill>
-              <a:latin typeface="微软雅黑" pitchFamily="34" charset="-122"/>
-              <a:ea typeface="微软雅黑" pitchFamily="34" charset="-122"/>
-            </a:endParaRPr>
-          </a:p>
-        </p:txBody>
-      </p:sp>
-      <p:sp>
-        <p:nvSpPr>
-          <p:cNvPr id="11" name="圆角矩形 10"/>
-          <p:cNvSpPr/>
-          <p:nvPr/>
-        </p:nvSpPr>
-        <p:spPr>
-          <a:xfrm>
-            <a:off x="5922090" y="800871"/>
-            <a:ext cx="864096" cy="360040"/>
-          </a:xfrm>
-          <a:prstGeom prst="roundRect">
-            <a:avLst/>
-          </a:prstGeom>
-          <a:solidFill>
-            <a:schemeClr val="bg1"/>
-          </a:solidFill>
-          <a:ln w="19050">
-            <a:solidFill>
-              <a:schemeClr val="tx1"/>
-            </a:solidFill>
-          </a:ln>
-        </p:spPr>
-        <p:style>
-          <a:lnRef idx="2">
-            <a:schemeClr val="accent1">
-              <a:shade val="50000"/>
-            </a:schemeClr>
-          </a:lnRef>
-          <a:fillRef idx="1">
-            <a:schemeClr val="accent1"/>
-          </a:fillRef>
-          <a:effectRef idx="0">
-            <a:schemeClr val="accent1"/>
-          </a:effectRef>
-          <a:fontRef idx="minor">
-            <a:schemeClr val="lt1"/>
-          </a:fontRef>
-        </p:style>
-        <p:txBody>
-          <a:bodyPr rtlCol="0" anchor="ctr"/>
-          <a:lstStyle/>
-          <a:p>
-            <a:pPr algn="ctr"/>
-            <a:r>
-              <a:rPr lang="zh-CN" altLang="en-US" sz="1200" dirty="0" smtClean="0">
-                <a:solidFill>
-                  <a:sysClr val="windowText" lastClr="000000"/>
-                </a:solidFill>
-                <a:latin typeface="微软雅黑" pitchFamily="34" charset="-122"/>
-                <a:ea typeface="微软雅黑" pitchFamily="34" charset="-122"/>
-              </a:rPr>
-              <a:t>社会服务</a:t>
-            </a:r>
-            <a:endParaRPr lang="en-US" altLang="zh-CN" sz="1200" dirty="0" smtClean="0">
-              <a:solidFill>
-                <a:sysClr val="windowText" lastClr="000000"/>
-              </a:solidFill>
-              <a:latin typeface="微软雅黑" pitchFamily="34" charset="-122"/>
-              <a:ea typeface="微软雅黑" pitchFamily="34" charset="-122"/>
-            </a:endParaRPr>
-          </a:p>
-        </p:txBody>
-      </p:sp>
-      <p:sp>
-        <p:nvSpPr>
-          <p:cNvPr id="12" name="圆角矩形 11"/>
-          <p:cNvSpPr/>
-          <p:nvPr/>
-        </p:nvSpPr>
-        <p:spPr>
-          <a:xfrm>
-            <a:off x="6939193" y="800871"/>
-            <a:ext cx="864096" cy="360040"/>
-          </a:xfrm>
-          <a:prstGeom prst="roundRect">
-            <a:avLst/>
-          </a:prstGeom>
-          <a:solidFill>
-            <a:schemeClr val="bg1"/>
-          </a:solidFill>
-          <a:ln w="19050">
-            <a:solidFill>
-              <a:schemeClr val="tx1"/>
-            </a:solidFill>
-          </a:ln>
-        </p:spPr>
-        <p:style>
-          <a:lnRef idx="2">
-            <a:schemeClr val="accent1">
-              <a:shade val="50000"/>
-            </a:schemeClr>
-          </a:lnRef>
-          <a:fillRef idx="1">
-            <a:schemeClr val="accent1"/>
-          </a:fillRef>
-          <a:effectRef idx="0">
-            <a:schemeClr val="accent1"/>
-          </a:effectRef>
-          <a:fontRef idx="minor">
-            <a:schemeClr val="lt1"/>
-          </a:fontRef>
-        </p:style>
-        <p:txBody>
-          <a:bodyPr rtlCol="0" anchor="ctr"/>
-          <a:lstStyle/>
-          <a:p>
-            <a:pPr algn="ctr"/>
-            <a:r>
-              <a:rPr lang="zh-CN" altLang="en-US" sz="1200" dirty="0" smtClean="0">
-                <a:solidFill>
-                  <a:sysClr val="windowText" lastClr="000000"/>
-                </a:solidFill>
-                <a:latin typeface="微软雅黑" pitchFamily="34" charset="-122"/>
-                <a:ea typeface="微软雅黑" pitchFamily="34" charset="-122"/>
-              </a:rPr>
-              <a:t>教育培训</a:t>
-            </a:r>
-            <a:endParaRPr lang="en-US" altLang="zh-CN" sz="1200" dirty="0" smtClean="0">
-              <a:solidFill>
-                <a:sysClr val="windowText" lastClr="000000"/>
-              </a:solidFill>
-              <a:latin typeface="微软雅黑" pitchFamily="34" charset="-122"/>
-              <a:ea typeface="微软雅黑" pitchFamily="34" charset="-122"/>
-            </a:endParaRPr>
-          </a:p>
-        </p:txBody>
-      </p:sp>
-      <p:sp>
-        <p:nvSpPr>
-          <p:cNvPr id="13" name="圆角矩形 12"/>
-          <p:cNvSpPr/>
-          <p:nvPr/>
-        </p:nvSpPr>
-        <p:spPr>
-          <a:xfrm>
-            <a:off x="7956296" y="800871"/>
-            <a:ext cx="1036800" cy="360040"/>
-          </a:xfrm>
-          <a:prstGeom prst="roundRect">
-            <a:avLst/>
-          </a:prstGeom>
-          <a:solidFill>
-            <a:schemeClr val="bg1"/>
-          </a:solidFill>
-          <a:ln w="19050">
-            <a:solidFill>
-              <a:schemeClr val="tx1"/>
-            </a:solidFill>
-          </a:ln>
-        </p:spPr>
-        <p:style>
-          <a:lnRef idx="2">
-            <a:schemeClr val="accent1">
-              <a:shade val="50000"/>
-            </a:schemeClr>
-          </a:lnRef>
-          <a:fillRef idx="1">
-            <a:schemeClr val="accent1"/>
-          </a:fillRef>
-          <a:effectRef idx="0">
-            <a:schemeClr val="accent1"/>
-          </a:effectRef>
-          <a:fontRef idx="minor">
-            <a:schemeClr val="lt1"/>
-          </a:fontRef>
-        </p:style>
-        <p:txBody>
-          <a:bodyPr rtlCol="0" anchor="ctr"/>
-          <a:lstStyle/>
-          <a:p>
-            <a:pPr algn="ctr"/>
-            <a:r>
-              <a:rPr lang="zh-CN" altLang="en-US" sz="1200" dirty="0" smtClean="0">
-                <a:solidFill>
-                  <a:sysClr val="windowText" lastClr="000000"/>
-                </a:solidFill>
-                <a:latin typeface="微软雅黑" pitchFamily="34" charset="-122"/>
-                <a:ea typeface="微软雅黑" pitchFamily="34" charset="-122"/>
-              </a:rPr>
-              <a:t>教研与科研</a:t>
-            </a:r>
-            <a:endParaRPr lang="en-US" altLang="zh-CN" sz="1200" dirty="0" smtClean="0">
-              <a:solidFill>
-                <a:sysClr val="windowText" lastClr="000000"/>
-              </a:solidFill>
-              <a:latin typeface="微软雅黑" pitchFamily="34" charset="-122"/>
-              <a:ea typeface="微软雅黑" pitchFamily="34" charset="-122"/>
-            </a:endParaRPr>
-          </a:p>
-        </p:txBody>
-      </p:sp>
-      <p:sp>
-        <p:nvSpPr>
-          <p:cNvPr id="14" name="圆角矩形 13"/>
-          <p:cNvSpPr/>
-          <p:nvPr/>
-        </p:nvSpPr>
-        <p:spPr>
-          <a:xfrm>
-            <a:off x="7803288" y="3717104"/>
-            <a:ext cx="864097" cy="360040"/>
-          </a:xfrm>
-          <a:prstGeom prst="roundRect">
-            <a:avLst/>
-          </a:prstGeom>
-          <a:solidFill>
-            <a:schemeClr val="bg1"/>
-          </a:solidFill>
-          <a:ln w="19050">
-            <a:solidFill>
-              <a:schemeClr val="tx1"/>
-            </a:solidFill>
-          </a:ln>
-        </p:spPr>
-        <p:style>
-          <a:lnRef idx="2">
-            <a:schemeClr val="accent1">
-              <a:shade val="50000"/>
-            </a:schemeClr>
-          </a:lnRef>
-          <a:fillRef idx="1">
-            <a:schemeClr val="accent1"/>
-          </a:fillRef>
-          <a:effectRef idx="0">
-            <a:schemeClr val="accent1"/>
-          </a:effectRef>
-          <a:fontRef idx="minor">
-            <a:schemeClr val="lt1"/>
-          </a:fontRef>
-        </p:style>
-        <p:txBody>
-          <a:bodyPr rtlCol="0" anchor="ctr"/>
-          <a:lstStyle/>
-          <a:p>
-            <a:pPr algn="ctr"/>
-            <a:r>
-              <a:rPr lang="zh-CN" altLang="en-US" sz="1200" dirty="0">
-                <a:solidFill>
-                  <a:sysClr val="windowText" lastClr="000000"/>
-                </a:solidFill>
-                <a:latin typeface="微软雅黑" pitchFamily="34" charset="-122"/>
-                <a:ea typeface="微软雅黑" pitchFamily="34" charset="-122"/>
-              </a:rPr>
-              <a:t>院</a:t>
-            </a:r>
-            <a:r>
-              <a:rPr lang="zh-CN" altLang="en-US" sz="1200" dirty="0" smtClean="0">
-                <a:solidFill>
-                  <a:sysClr val="windowText" lastClr="000000"/>
-                </a:solidFill>
-                <a:latin typeface="微软雅黑" pitchFamily="34" charset="-122"/>
-                <a:ea typeface="微软雅黑" pitchFamily="34" charset="-122"/>
-              </a:rPr>
-              <a:t>系公告</a:t>
-            </a:r>
-            <a:endParaRPr lang="en-US" altLang="zh-CN" sz="1200" dirty="0" smtClean="0">
-              <a:solidFill>
-                <a:sysClr val="windowText" lastClr="000000"/>
-              </a:solidFill>
-              <a:latin typeface="微软雅黑" pitchFamily="34" charset="-122"/>
-              <a:ea typeface="微软雅黑" pitchFamily="34" charset="-122"/>
-            </a:endParaRPr>
-          </a:p>
-        </p:txBody>
-      </p:sp>
-      <p:sp>
-        <p:nvSpPr>
-          <p:cNvPr id="15" name="圆角矩形 14"/>
-          <p:cNvSpPr/>
-          <p:nvPr/>
-        </p:nvSpPr>
-        <p:spPr>
-          <a:xfrm>
-            <a:off x="7803289" y="4575665"/>
-            <a:ext cx="864097" cy="360040"/>
-          </a:xfrm>
-          <a:prstGeom prst="roundRect">
-            <a:avLst/>
-          </a:prstGeom>
-          <a:solidFill>
-            <a:schemeClr val="bg1"/>
-          </a:solidFill>
-          <a:ln w="19050">
-            <a:solidFill>
-              <a:schemeClr val="tx1"/>
-            </a:solidFill>
-          </a:ln>
-        </p:spPr>
-        <p:style>
-          <a:lnRef idx="2">
-            <a:schemeClr val="accent1">
-              <a:shade val="50000"/>
-            </a:schemeClr>
-          </a:lnRef>
-          <a:fillRef idx="1">
-            <a:schemeClr val="accent1"/>
-          </a:fillRef>
-          <a:effectRef idx="0">
-            <a:schemeClr val="accent1"/>
-          </a:effectRef>
-          <a:fontRef idx="minor">
-            <a:schemeClr val="lt1"/>
-          </a:fontRef>
-        </p:style>
-        <p:txBody>
-          <a:bodyPr rtlCol="0" anchor="ctr"/>
-          <a:lstStyle/>
-          <a:p>
-            <a:pPr algn="ctr"/>
-            <a:r>
-              <a:rPr lang="zh-CN" altLang="en-US" sz="1200" dirty="0" smtClean="0">
-                <a:solidFill>
-                  <a:sysClr val="windowText" lastClr="000000"/>
-                </a:solidFill>
-                <a:latin typeface="微软雅黑" pitchFamily="34" charset="-122"/>
-                <a:ea typeface="微软雅黑" pitchFamily="34" charset="-122"/>
-              </a:rPr>
-              <a:t>中心动态</a:t>
-            </a:r>
-            <a:endParaRPr lang="en-US" altLang="zh-CN" sz="1200" dirty="0" smtClean="0">
-              <a:solidFill>
-                <a:sysClr val="windowText" lastClr="000000"/>
-              </a:solidFill>
-              <a:latin typeface="微软雅黑" pitchFamily="34" charset="-122"/>
-              <a:ea typeface="微软雅黑" pitchFamily="34" charset="-122"/>
-            </a:endParaRPr>
-          </a:p>
-        </p:txBody>
-      </p:sp>
-      <p:sp>
-        <p:nvSpPr>
-          <p:cNvPr id="16" name="矩形 15"/>
-          <p:cNvSpPr/>
-          <p:nvPr/>
-        </p:nvSpPr>
-        <p:spPr>
-          <a:xfrm>
-            <a:off x="836575" y="1268760"/>
-            <a:ext cx="864000" cy="830997"/>
-          </a:xfrm>
-          <a:prstGeom prst="rect">
-            <a:avLst/>
-          </a:prstGeom>
-        </p:spPr>
-        <p:txBody>
-          <a:bodyPr wrap="square">
-            <a:spAutoFit/>
-          </a:bodyPr>
-          <a:lstStyle/>
-          <a:p>
-            <a:pPr fontAlgn="base"/>
-            <a:r>
-              <a:rPr lang="zh-CN" altLang="en-US" sz="1200" dirty="0" smtClean="0">
-                <a:latin typeface="微软雅黑" pitchFamily="34" charset="-122"/>
-                <a:ea typeface="微软雅黑" pitchFamily="34" charset="-122"/>
-                <a:hlinkClick r:id="rId2" tooltip="中心概况"/>
-              </a:rPr>
-              <a:t>中心概况</a:t>
-            </a:r>
-            <a:endParaRPr lang="zh-CN" altLang="en-US" sz="1200" dirty="0" smtClean="0">
-              <a:latin typeface="微软雅黑" pitchFamily="34" charset="-122"/>
-              <a:ea typeface="微软雅黑" pitchFamily="34" charset="-122"/>
-            </a:endParaRPr>
-          </a:p>
-          <a:p>
-            <a:pPr fontAlgn="base"/>
-            <a:r>
-              <a:rPr lang="zh-CN" altLang="en-US" sz="1200" dirty="0" smtClean="0">
-                <a:latin typeface="微软雅黑" pitchFamily="34" charset="-122"/>
-                <a:ea typeface="微软雅黑" pitchFamily="34" charset="-122"/>
-                <a:hlinkClick r:id="rId3" tooltip="历史沿革"/>
-              </a:rPr>
-              <a:t>历史沿革</a:t>
-            </a:r>
-            <a:endParaRPr lang="zh-CN" altLang="en-US" sz="1200" dirty="0" smtClean="0">
-              <a:latin typeface="微软雅黑" pitchFamily="34" charset="-122"/>
-              <a:ea typeface="微软雅黑" pitchFamily="34" charset="-122"/>
-            </a:endParaRPr>
-          </a:p>
-          <a:p>
-            <a:pPr fontAlgn="base"/>
-            <a:r>
-              <a:rPr lang="zh-CN" altLang="en-US" sz="1200" dirty="0" smtClean="0">
-                <a:latin typeface="微软雅黑" pitchFamily="34" charset="-122"/>
-                <a:ea typeface="微软雅黑" pitchFamily="34" charset="-122"/>
-                <a:hlinkClick r:id="rId4" tooltip="中心地图"/>
-              </a:rPr>
-              <a:t>中心地图</a:t>
-            </a:r>
-            <a:endParaRPr lang="zh-CN" altLang="en-US" sz="1200" dirty="0" smtClean="0">
-              <a:latin typeface="微软雅黑" pitchFamily="34" charset="-122"/>
-              <a:ea typeface="微软雅黑" pitchFamily="34" charset="-122"/>
-            </a:endParaRPr>
-          </a:p>
-          <a:p>
-            <a:pPr fontAlgn="base"/>
-            <a:r>
-              <a:rPr lang="zh-CN" altLang="en-US" sz="1200" dirty="0" smtClean="0">
-                <a:latin typeface="微软雅黑" pitchFamily="34" charset="-122"/>
-                <a:ea typeface="微软雅黑" pitchFamily="34" charset="-122"/>
-                <a:hlinkClick r:id="rId5" tooltip="中心黄页"/>
-              </a:rPr>
-              <a:t>中心黄页</a:t>
-            </a:r>
-            <a:endParaRPr lang="zh-CN" altLang="en-US" sz="1200" dirty="0">
-              <a:latin typeface="微软雅黑" pitchFamily="34" charset="-122"/>
-              <a:ea typeface="微软雅黑" pitchFamily="34" charset="-122"/>
-            </a:endParaRPr>
-          </a:p>
-        </p:txBody>
-      </p:sp>
-      <p:sp>
-        <p:nvSpPr>
-          <p:cNvPr id="18" name="矩形 17"/>
-          <p:cNvSpPr/>
-          <p:nvPr/>
-        </p:nvSpPr>
-        <p:spPr>
-          <a:xfrm>
-            <a:off x="1853678" y="1268760"/>
-            <a:ext cx="864000" cy="646331"/>
-          </a:xfrm>
-          <a:prstGeom prst="rect">
-            <a:avLst/>
-          </a:prstGeom>
-        </p:spPr>
-        <p:txBody>
-          <a:bodyPr wrap="square">
-            <a:spAutoFit/>
-          </a:bodyPr>
-          <a:lstStyle/>
-          <a:p>
-            <a:pPr fontAlgn="base"/>
-            <a:r>
-              <a:rPr lang="zh-CN" altLang="en-US" sz="1200" dirty="0">
-                <a:latin typeface="微软雅黑" pitchFamily="34" charset="-122"/>
-                <a:ea typeface="微软雅黑" pitchFamily="34" charset="-122"/>
-                <a:hlinkClick r:id="rId6" tooltip="组织结构"/>
-              </a:rPr>
-              <a:t>组织结构</a:t>
-            </a:r>
-            <a:endParaRPr lang="zh-CN" altLang="en-US" sz="1200" dirty="0">
-              <a:latin typeface="微软雅黑" pitchFamily="34" charset="-122"/>
-              <a:ea typeface="微软雅黑" pitchFamily="34" charset="-122"/>
-            </a:endParaRPr>
-          </a:p>
-          <a:p>
-            <a:pPr fontAlgn="base"/>
-            <a:r>
-              <a:rPr lang="zh-CN" altLang="en-US" sz="1200" dirty="0">
-                <a:latin typeface="微软雅黑" pitchFamily="34" charset="-122"/>
-                <a:ea typeface="微软雅黑" pitchFamily="34" charset="-122"/>
-                <a:hlinkClick r:id="rId7" tooltip="教学管理"/>
-              </a:rPr>
-              <a:t>教学管理</a:t>
-            </a:r>
-            <a:endParaRPr lang="zh-CN" altLang="en-US" sz="1200" dirty="0">
-              <a:latin typeface="微软雅黑" pitchFamily="34" charset="-122"/>
-              <a:ea typeface="微软雅黑" pitchFamily="34" charset="-122"/>
-            </a:endParaRPr>
-          </a:p>
-          <a:p>
-            <a:pPr fontAlgn="base"/>
-            <a:r>
-              <a:rPr lang="zh-CN" altLang="en-US" sz="1200" dirty="0">
-                <a:latin typeface="微软雅黑" pitchFamily="34" charset="-122"/>
-                <a:ea typeface="微软雅黑" pitchFamily="34" charset="-122"/>
-                <a:hlinkClick r:id="rId8" tooltip="管理人员"/>
-              </a:rPr>
-              <a:t>管理人员</a:t>
-            </a:r>
-            <a:endParaRPr lang="zh-CN" altLang="en-US" sz="1200" dirty="0">
-              <a:latin typeface="微软雅黑" pitchFamily="34" charset="-122"/>
-              <a:ea typeface="微软雅黑" pitchFamily="34" charset="-122"/>
-            </a:endParaRPr>
-          </a:p>
-        </p:txBody>
-      </p:sp>
-      <p:sp>
-        <p:nvSpPr>
-          <p:cNvPr id="19" name="矩形 18"/>
-          <p:cNvSpPr/>
-          <p:nvPr/>
-        </p:nvSpPr>
-        <p:spPr>
-          <a:xfrm>
-            <a:off x="2726829" y="1268760"/>
-            <a:ext cx="1152000" cy="461665"/>
-          </a:xfrm>
-          <a:prstGeom prst="rect">
-            <a:avLst/>
-          </a:prstGeom>
-        </p:spPr>
-        <p:txBody>
-          <a:bodyPr wrap="square">
-            <a:spAutoFit/>
-          </a:bodyPr>
-          <a:lstStyle/>
-          <a:p>
-            <a:pPr fontAlgn="base"/>
-            <a:r>
-              <a:rPr lang="zh-CN" altLang="en-US" sz="1200" dirty="0">
-                <a:latin typeface="微软雅黑" pitchFamily="34" charset="-122"/>
-                <a:ea typeface="微软雅黑" pitchFamily="34" charset="-122"/>
-                <a:hlinkClick r:id="rId9" tooltip="创新实验室"/>
-              </a:rPr>
-              <a:t>创新实验室</a:t>
-            </a:r>
-            <a:endParaRPr lang="zh-CN" altLang="en-US" sz="1200" dirty="0">
-              <a:latin typeface="微软雅黑" pitchFamily="34" charset="-122"/>
-              <a:ea typeface="微软雅黑" pitchFamily="34" charset="-122"/>
-            </a:endParaRPr>
-          </a:p>
-          <a:p>
-            <a:pPr fontAlgn="base"/>
-            <a:r>
-              <a:rPr lang="zh-CN" altLang="en-US" sz="1200" dirty="0">
-                <a:latin typeface="微软雅黑" pitchFamily="34" charset="-122"/>
-                <a:ea typeface="微软雅黑" pitchFamily="34" charset="-122"/>
-                <a:hlinkClick r:id="rId10" tooltip="创新实践成果"/>
-              </a:rPr>
-              <a:t>创新实践成果</a:t>
-            </a:r>
-            <a:endParaRPr lang="zh-CN" altLang="en-US" sz="1200" dirty="0">
-              <a:latin typeface="微软雅黑" pitchFamily="34" charset="-122"/>
-              <a:ea typeface="微软雅黑" pitchFamily="34" charset="-122"/>
-            </a:endParaRPr>
-          </a:p>
-        </p:txBody>
-      </p:sp>
-      <p:sp>
-        <p:nvSpPr>
-          <p:cNvPr id="20" name="矩形 19"/>
-          <p:cNvSpPr/>
-          <p:nvPr/>
-        </p:nvSpPr>
-        <p:spPr>
-          <a:xfrm>
-            <a:off x="3815973" y="1268760"/>
-            <a:ext cx="1007918" cy="1015663"/>
-          </a:xfrm>
-          <a:prstGeom prst="rect">
-            <a:avLst/>
-          </a:prstGeom>
-        </p:spPr>
-        <p:txBody>
-          <a:bodyPr wrap="square">
-            <a:spAutoFit/>
-          </a:bodyPr>
-          <a:lstStyle/>
-          <a:p>
-            <a:pPr fontAlgn="base"/>
-            <a:r>
-              <a:rPr lang="zh-CN" altLang="en-US" sz="1200" dirty="0">
-                <a:latin typeface="微软雅黑" pitchFamily="34" charset="-122"/>
-                <a:ea typeface="微软雅黑" pitchFamily="34" charset="-122"/>
-                <a:hlinkClick r:id="rId11" tooltip="课程体系"/>
-              </a:rPr>
-              <a:t>课程体系</a:t>
-            </a:r>
-            <a:endParaRPr lang="zh-CN" altLang="en-US" sz="1200" dirty="0">
-              <a:latin typeface="微软雅黑" pitchFamily="34" charset="-122"/>
-              <a:ea typeface="微软雅黑" pitchFamily="34" charset="-122"/>
-            </a:endParaRPr>
-          </a:p>
-          <a:p>
-            <a:pPr fontAlgn="base"/>
-            <a:r>
-              <a:rPr lang="zh-CN" altLang="en-US" sz="1200" dirty="0">
-                <a:latin typeface="微软雅黑" pitchFamily="34" charset="-122"/>
-                <a:ea typeface="微软雅黑" pitchFamily="34" charset="-122"/>
-                <a:hlinkClick r:id="rId12" tooltip="理论课程"/>
-              </a:rPr>
-              <a:t>理论课程</a:t>
-            </a:r>
-            <a:endParaRPr lang="zh-CN" altLang="en-US" sz="1200" dirty="0">
-              <a:latin typeface="微软雅黑" pitchFamily="34" charset="-122"/>
-              <a:ea typeface="微软雅黑" pitchFamily="34" charset="-122"/>
-            </a:endParaRPr>
-          </a:p>
-          <a:p>
-            <a:pPr fontAlgn="base"/>
-            <a:r>
-              <a:rPr lang="zh-CN" altLang="en-US" sz="1200" dirty="0">
-                <a:latin typeface="微软雅黑" pitchFamily="34" charset="-122"/>
-                <a:ea typeface="微软雅黑" pitchFamily="34" charset="-122"/>
-                <a:hlinkClick r:id="rId13" tooltip="工程训练"/>
-              </a:rPr>
-              <a:t>工程训练</a:t>
-            </a:r>
-            <a:endParaRPr lang="zh-CN" altLang="en-US" sz="1200" dirty="0">
-              <a:latin typeface="微软雅黑" pitchFamily="34" charset="-122"/>
-              <a:ea typeface="微软雅黑" pitchFamily="34" charset="-122"/>
-            </a:endParaRPr>
-          </a:p>
-          <a:p>
-            <a:pPr fontAlgn="base"/>
-            <a:r>
-              <a:rPr lang="zh-CN" altLang="en-US" sz="1200" dirty="0">
-                <a:latin typeface="微软雅黑" pitchFamily="34" charset="-122"/>
-                <a:ea typeface="微软雅黑" pitchFamily="34" charset="-122"/>
-                <a:hlinkClick r:id="rId14" tooltip="探究课课程"/>
-              </a:rPr>
-              <a:t>探究课课程</a:t>
-            </a:r>
-            <a:endParaRPr lang="zh-CN" altLang="en-US" sz="1200" dirty="0">
-              <a:latin typeface="微软雅黑" pitchFamily="34" charset="-122"/>
-              <a:ea typeface="微软雅黑" pitchFamily="34" charset="-122"/>
-            </a:endParaRPr>
-          </a:p>
-          <a:p>
-            <a:pPr fontAlgn="base"/>
-            <a:r>
-              <a:rPr lang="zh-CN" altLang="en-US" sz="1200" dirty="0">
-                <a:latin typeface="微软雅黑" pitchFamily="34" charset="-122"/>
-                <a:ea typeface="微软雅黑" pitchFamily="34" charset="-122"/>
-                <a:hlinkClick r:id="rId15" tooltip="精品课专区"/>
-              </a:rPr>
-              <a:t>精品课专区</a:t>
-            </a:r>
-            <a:endParaRPr lang="zh-CN" altLang="en-US" sz="1200" dirty="0">
-              <a:latin typeface="微软雅黑" pitchFamily="34" charset="-122"/>
-              <a:ea typeface="微软雅黑" pitchFamily="34" charset="-122"/>
-            </a:endParaRPr>
-          </a:p>
-        </p:txBody>
-      </p:sp>
-      <p:sp>
-        <p:nvSpPr>
-          <p:cNvPr id="21" name="矩形 20"/>
-          <p:cNvSpPr/>
-          <p:nvPr/>
-        </p:nvSpPr>
-        <p:spPr>
-          <a:xfrm>
-            <a:off x="4904987" y="1268760"/>
-            <a:ext cx="864000" cy="646331"/>
-          </a:xfrm>
-          <a:prstGeom prst="rect">
-            <a:avLst/>
-          </a:prstGeom>
-        </p:spPr>
-        <p:txBody>
-          <a:bodyPr wrap="square">
-            <a:spAutoFit/>
-          </a:bodyPr>
-          <a:lstStyle/>
-          <a:p>
-            <a:pPr fontAlgn="base"/>
-            <a:r>
-              <a:rPr lang="zh-CN" altLang="en-US" sz="1200" dirty="0">
-                <a:latin typeface="微软雅黑" pitchFamily="34" charset="-122"/>
-                <a:ea typeface="微软雅黑" pitchFamily="34" charset="-122"/>
-                <a:hlinkClick r:id="rId16" tooltip="师资概况"/>
-              </a:rPr>
-              <a:t>师资概况</a:t>
-            </a:r>
-            <a:endParaRPr lang="zh-CN" altLang="en-US" sz="1200" dirty="0">
-              <a:latin typeface="微软雅黑" pitchFamily="34" charset="-122"/>
-              <a:ea typeface="微软雅黑" pitchFamily="34" charset="-122"/>
-            </a:endParaRPr>
-          </a:p>
-          <a:p>
-            <a:pPr fontAlgn="base"/>
-            <a:r>
-              <a:rPr lang="zh-CN" altLang="en-US" sz="1200" dirty="0">
-                <a:latin typeface="微软雅黑" pitchFamily="34" charset="-122"/>
-                <a:ea typeface="微软雅黑" pitchFamily="34" charset="-122"/>
-                <a:hlinkClick r:id="rId17" tooltip="教学名师"/>
-              </a:rPr>
-              <a:t>教学名师</a:t>
-            </a:r>
-            <a:endParaRPr lang="zh-CN" altLang="en-US" sz="1200" dirty="0">
-              <a:latin typeface="微软雅黑" pitchFamily="34" charset="-122"/>
-              <a:ea typeface="微软雅黑" pitchFamily="34" charset="-122"/>
-            </a:endParaRPr>
-          </a:p>
-          <a:p>
-            <a:pPr fontAlgn="base"/>
-            <a:r>
-              <a:rPr lang="zh-CN" altLang="en-US" sz="1200" dirty="0">
-                <a:latin typeface="微软雅黑" pitchFamily="34" charset="-122"/>
-                <a:ea typeface="微软雅黑" pitchFamily="34" charset="-122"/>
-                <a:hlinkClick r:id="rId18" tooltip="在职教师"/>
-              </a:rPr>
-              <a:t>在职教师</a:t>
-            </a:r>
-            <a:endParaRPr lang="zh-CN" altLang="en-US" sz="1200" dirty="0">
-              <a:latin typeface="微软雅黑" pitchFamily="34" charset="-122"/>
-              <a:ea typeface="微软雅黑" pitchFamily="34" charset="-122"/>
-            </a:endParaRPr>
-          </a:p>
-        </p:txBody>
-      </p:sp>
-      <p:sp>
-        <p:nvSpPr>
-          <p:cNvPr id="22" name="矩形 21"/>
-          <p:cNvSpPr/>
-          <p:nvPr/>
-        </p:nvSpPr>
-        <p:spPr>
-          <a:xfrm>
-            <a:off x="5922090" y="1268760"/>
-            <a:ext cx="864000" cy="461665"/>
-          </a:xfrm>
-          <a:prstGeom prst="rect">
-            <a:avLst/>
-          </a:prstGeom>
-        </p:spPr>
-        <p:txBody>
-          <a:bodyPr wrap="square">
-            <a:spAutoFit/>
-          </a:bodyPr>
-          <a:lstStyle/>
-          <a:p>
-            <a:pPr fontAlgn="base"/>
-            <a:r>
-              <a:rPr lang="zh-CN" altLang="en-US" sz="1200" dirty="0">
-                <a:latin typeface="微软雅黑" pitchFamily="34" charset="-122"/>
-                <a:ea typeface="微软雅黑" pitchFamily="34" charset="-122"/>
-                <a:hlinkClick r:id="rId19" tooltip="科研加工"/>
-              </a:rPr>
-              <a:t>科研加工</a:t>
-            </a:r>
-            <a:endParaRPr lang="zh-CN" altLang="en-US" sz="1200" dirty="0">
-              <a:latin typeface="微软雅黑" pitchFamily="34" charset="-122"/>
-              <a:ea typeface="微软雅黑" pitchFamily="34" charset="-122"/>
-            </a:endParaRPr>
-          </a:p>
-          <a:p>
-            <a:pPr fontAlgn="base"/>
-            <a:r>
-              <a:rPr lang="zh-CN" altLang="en-US" sz="1200" dirty="0">
-                <a:latin typeface="微软雅黑" pitchFamily="34" charset="-122"/>
-                <a:ea typeface="微软雅黑" pitchFamily="34" charset="-122"/>
-                <a:hlinkClick r:id="rId20" tooltip="开放资源"/>
-              </a:rPr>
-              <a:t>开放资源</a:t>
-            </a:r>
-            <a:endParaRPr lang="zh-CN" altLang="en-US" sz="1200" dirty="0">
-              <a:latin typeface="微软雅黑" pitchFamily="34" charset="-122"/>
-              <a:ea typeface="微软雅黑" pitchFamily="34" charset="-122"/>
-            </a:endParaRPr>
-          </a:p>
-        </p:txBody>
-      </p:sp>
-      <p:sp>
-        <p:nvSpPr>
-          <p:cNvPr id="23" name="矩形 22"/>
-          <p:cNvSpPr/>
-          <p:nvPr/>
-        </p:nvSpPr>
-        <p:spPr>
-          <a:xfrm>
-            <a:off x="6660232" y="1268760"/>
-            <a:ext cx="1728192" cy="1569660"/>
-          </a:xfrm>
-          <a:prstGeom prst="rect">
-            <a:avLst/>
-          </a:prstGeom>
-        </p:spPr>
-        <p:txBody>
-          <a:bodyPr wrap="square">
-            <a:spAutoFit/>
-          </a:bodyPr>
-          <a:lstStyle/>
-          <a:p>
-            <a:pPr fontAlgn="base"/>
-            <a:r>
-              <a:rPr lang="zh-CN" altLang="en-US" sz="1200" dirty="0">
-                <a:latin typeface="微软雅黑" pitchFamily="34" charset="-122"/>
-                <a:ea typeface="微软雅黑" pitchFamily="34" charset="-122"/>
-                <a:hlinkClick r:id="rId21" tooltip="中心培训简介"/>
-              </a:rPr>
-              <a:t>中心培训简介</a:t>
-            </a:r>
-            <a:endParaRPr lang="zh-CN" altLang="en-US" sz="1200" dirty="0">
-              <a:latin typeface="微软雅黑" pitchFamily="34" charset="-122"/>
-              <a:ea typeface="微软雅黑" pitchFamily="34" charset="-122"/>
-            </a:endParaRPr>
-          </a:p>
-          <a:p>
-            <a:pPr fontAlgn="base"/>
-            <a:r>
-              <a:rPr lang="zh-CN" altLang="en-US" sz="1200" dirty="0">
-                <a:latin typeface="微软雅黑" pitchFamily="34" charset="-122"/>
-                <a:ea typeface="微软雅黑" pitchFamily="34" charset="-122"/>
-                <a:hlinkClick r:id="rId22" tooltip="已举办的培训项目"/>
-              </a:rPr>
-              <a:t>已举办的培训项目</a:t>
-            </a:r>
-            <a:endParaRPr lang="zh-CN" altLang="en-US" sz="1200" dirty="0">
-              <a:latin typeface="微软雅黑" pitchFamily="34" charset="-122"/>
-              <a:ea typeface="微软雅黑" pitchFamily="34" charset="-122"/>
-            </a:endParaRPr>
-          </a:p>
-          <a:p>
-            <a:pPr marL="184150" lvl="1"/>
-            <a:r>
-              <a:rPr lang="zh-CN" altLang="en-US" sz="1200" dirty="0">
-                <a:latin typeface="微软雅黑" pitchFamily="34" charset="-122"/>
-                <a:ea typeface="微软雅黑" pitchFamily="34" charset="-122"/>
-                <a:hlinkClick r:id="rId22" tooltip="国家级培训项目"/>
-              </a:rPr>
-              <a:t>国家级培训项目</a:t>
-            </a:r>
-            <a:endParaRPr lang="zh-CN" altLang="en-US" sz="1200" dirty="0">
-              <a:latin typeface="微软雅黑" pitchFamily="34" charset="-122"/>
-              <a:ea typeface="微软雅黑" pitchFamily="34" charset="-122"/>
-            </a:endParaRPr>
-          </a:p>
-          <a:p>
-            <a:pPr marL="184150" lvl="1"/>
-            <a:r>
-              <a:rPr lang="zh-CN" altLang="en-US" sz="1200" dirty="0">
-                <a:latin typeface="微软雅黑" pitchFamily="34" charset="-122"/>
-                <a:ea typeface="微软雅黑" pitchFamily="34" charset="-122"/>
-                <a:hlinkClick r:id="rId23" tooltip="职业教育项目"/>
-              </a:rPr>
-              <a:t>职业教育项目</a:t>
-            </a:r>
-            <a:endParaRPr lang="zh-CN" altLang="en-US" sz="1200" dirty="0">
-              <a:latin typeface="微软雅黑" pitchFamily="34" charset="-122"/>
-              <a:ea typeface="微软雅黑" pitchFamily="34" charset="-122"/>
-            </a:endParaRPr>
-          </a:p>
-          <a:p>
-            <a:pPr marL="184150" lvl="1"/>
-            <a:r>
-              <a:rPr lang="zh-CN" altLang="en-US" sz="1200" dirty="0">
-                <a:latin typeface="微软雅黑" pitchFamily="34" charset="-122"/>
-                <a:ea typeface="微软雅黑" pitchFamily="34" charset="-122"/>
-                <a:hlinkClick r:id="rId24" tooltip="工程技术项目"/>
-              </a:rPr>
-              <a:t>工程技术项目</a:t>
-            </a:r>
-            <a:endParaRPr lang="zh-CN" altLang="en-US" sz="1200" dirty="0">
-              <a:latin typeface="微软雅黑" pitchFamily="34" charset="-122"/>
-              <a:ea typeface="微软雅黑" pitchFamily="34" charset="-122"/>
-            </a:endParaRPr>
-          </a:p>
-          <a:p>
-            <a:pPr fontAlgn="base"/>
-            <a:r>
-              <a:rPr lang="zh-CN" altLang="en-US" sz="1200" dirty="0">
-                <a:latin typeface="微软雅黑" pitchFamily="34" charset="-122"/>
-                <a:ea typeface="微软雅黑" pitchFamily="34" charset="-122"/>
-                <a:hlinkClick r:id="rId25" tooltip="培训成果"/>
-              </a:rPr>
-              <a:t>培训成果</a:t>
-            </a:r>
-            <a:endParaRPr lang="zh-CN" altLang="en-US" sz="1200" dirty="0">
-              <a:latin typeface="微软雅黑" pitchFamily="34" charset="-122"/>
-              <a:ea typeface="微软雅黑" pitchFamily="34" charset="-122"/>
-            </a:endParaRPr>
-          </a:p>
-          <a:p>
-            <a:pPr fontAlgn="base"/>
-            <a:r>
-              <a:rPr lang="zh-CN" altLang="en-US" sz="1200" dirty="0">
-                <a:latin typeface="微软雅黑" pitchFamily="34" charset="-122"/>
-                <a:ea typeface="微软雅黑" pitchFamily="34" charset="-122"/>
-                <a:hlinkClick r:id="rId26" tooltip="最新招生简章"/>
-              </a:rPr>
-              <a:t>最新招生简章</a:t>
-            </a:r>
-            <a:endParaRPr lang="zh-CN" altLang="en-US" sz="1200" dirty="0">
-              <a:latin typeface="微软雅黑" pitchFamily="34" charset="-122"/>
-              <a:ea typeface="微软雅黑" pitchFamily="34" charset="-122"/>
-            </a:endParaRPr>
-          </a:p>
-          <a:p>
-            <a:pPr fontAlgn="base"/>
-            <a:r>
-              <a:rPr lang="zh-CN" altLang="en-US" sz="1200" dirty="0">
-                <a:latin typeface="微软雅黑" pitchFamily="34" charset="-122"/>
-                <a:ea typeface="微软雅黑" pitchFamily="34" charset="-122"/>
-                <a:hlinkClick r:id="rId27" tooltip="联系我们"/>
-              </a:rPr>
-              <a:t>联系我们</a:t>
-            </a:r>
-            <a:endParaRPr lang="zh-CN" altLang="en-US" sz="1200" dirty="0">
-              <a:latin typeface="微软雅黑" pitchFamily="34" charset="-122"/>
-              <a:ea typeface="微软雅黑" pitchFamily="34" charset="-122"/>
-            </a:endParaRPr>
-          </a:p>
-        </p:txBody>
-      </p:sp>
-      <p:sp>
-        <p:nvSpPr>
-          <p:cNvPr id="24" name="矩形 23"/>
-          <p:cNvSpPr/>
-          <p:nvPr/>
-        </p:nvSpPr>
-        <p:spPr>
-          <a:xfrm>
-            <a:off x="8042696" y="1268760"/>
-            <a:ext cx="864000" cy="461665"/>
-          </a:xfrm>
-          <a:prstGeom prst="rect">
-            <a:avLst/>
-          </a:prstGeom>
-        </p:spPr>
-        <p:txBody>
-          <a:bodyPr wrap="square">
-            <a:spAutoFit/>
-          </a:bodyPr>
-          <a:lstStyle/>
-          <a:p>
-            <a:pPr fontAlgn="base"/>
-            <a:r>
-              <a:rPr lang="zh-CN" altLang="en-US" sz="1200" dirty="0">
-                <a:latin typeface="微软雅黑" pitchFamily="34" charset="-122"/>
-                <a:ea typeface="微软雅黑" pitchFamily="34" charset="-122"/>
-                <a:hlinkClick r:id="rId28" tooltip="科研成果"/>
-              </a:rPr>
-              <a:t>科研成果</a:t>
-            </a:r>
-            <a:endParaRPr lang="zh-CN" altLang="en-US" sz="1200" dirty="0">
-              <a:latin typeface="微软雅黑" pitchFamily="34" charset="-122"/>
-              <a:ea typeface="微软雅黑" pitchFamily="34" charset="-122"/>
-            </a:endParaRPr>
-          </a:p>
-          <a:p>
-            <a:pPr fontAlgn="base"/>
-            <a:r>
-              <a:rPr lang="zh-CN" altLang="en-US" sz="1200" dirty="0">
-                <a:latin typeface="微软雅黑" pitchFamily="34" charset="-122"/>
-                <a:ea typeface="微软雅黑" pitchFamily="34" charset="-122"/>
-                <a:hlinkClick r:id="rId29" tooltip="教研成果"/>
-              </a:rPr>
-              <a:t>教研成果</a:t>
-            </a:r>
-            <a:endParaRPr lang="zh-CN" altLang="en-US" sz="1200" dirty="0">
-              <a:latin typeface="微软雅黑" pitchFamily="34" charset="-122"/>
-              <a:ea typeface="微软雅黑" pitchFamily="34" charset="-122"/>
-            </a:endParaRPr>
-          </a:p>
-        </p:txBody>
-      </p:sp>
-      <p:sp>
-        <p:nvSpPr>
-          <p:cNvPr id="26" name="TextBox 25"/>
-          <p:cNvSpPr txBox="1"/>
-          <p:nvPr/>
-        </p:nvSpPr>
-        <p:spPr>
-          <a:xfrm>
-            <a:off x="3311820" y="3149322"/>
-            <a:ext cx="1440160" cy="276999"/>
+            <a:off x="6781936" y="3755684"/>
+            <a:ext cx="846832" cy="369332"/>
           </a:xfrm>
           <a:prstGeom prst="rect">
             <a:avLst/>
@@ -4382,107 +5596,58 @@
           </a:bodyPr>
           <a:lstStyle/>
           <a:p>
-            <a:pPr fontAlgn="base"/>
-            <a:r>
-              <a:rPr lang="zh-CN" altLang="en-US" sz="1200" dirty="0">
-                <a:latin typeface="微软雅黑" pitchFamily="34" charset="-122"/>
-                <a:ea typeface="微软雅黑" pitchFamily="34" charset="-122"/>
-                <a:hlinkClick r:id="rId30" tooltip="工程训练教学基地"/>
-              </a:rPr>
-              <a:t>工程训练教学</a:t>
-            </a:r>
-            <a:r>
-              <a:rPr lang="zh-CN" altLang="en-US" sz="1200" dirty="0" smtClean="0">
-                <a:latin typeface="微软雅黑" pitchFamily="34" charset="-122"/>
-                <a:ea typeface="微软雅黑" pitchFamily="34" charset="-122"/>
-                <a:hlinkClick r:id="rId30" tooltip="工程训练教学基地"/>
-              </a:rPr>
-              <a:t>基地</a:t>
-            </a:r>
-            <a:endParaRPr lang="zh-CN" altLang="en-US" sz="1200" dirty="0">
-              <a:latin typeface="微软雅黑" pitchFamily="34" charset="-122"/>
-              <a:ea typeface="微软雅黑" pitchFamily="34" charset="-122"/>
-            </a:endParaRPr>
-          </a:p>
-        </p:txBody>
-      </p:sp>
-      <p:sp>
-        <p:nvSpPr>
-          <p:cNvPr id="27" name="矩形 26"/>
-          <p:cNvSpPr/>
+            <a:r>
+              <a:rPr lang="en-US" altLang="zh-CN" sz="900" dirty="0" smtClean="0"/>
+              <a:t>DF------------------------</a:t>
+            </a:r>
+            <a:endParaRPr lang="zh-CN" altLang="en-US" sz="900" dirty="0"/>
+          </a:p>
+        </p:txBody>
+      </p:sp>
+      <p:pic>
+        <p:nvPicPr>
+          <p:cNvPr id="27" name="图片 26"/>
+          <p:cNvPicPr>
+            <a:picLocks noChangeAspect="1"/>
+          </p:cNvPicPr>
           <p:nvPr/>
-        </p:nvSpPr>
+        </p:nvPicPr>
+        <p:blipFill>
+          <a:blip r:embed="rId4" cstate="print">
+            <a:extLst>
+              <a:ext uri="{28A0092B-C50C-407E-A947-70E740481C1C}">
+                <a14:useLocalDpi xmlns:a14="http://schemas.microsoft.com/office/drawing/2010/main" val="0"/>
+              </a:ext>
+            </a:extLst>
+          </a:blip>
+          <a:stretch>
+            <a:fillRect/>
+          </a:stretch>
+        </p:blipFill>
         <p:spPr>
           <a:xfrm>
-            <a:off x="7803386" y="5007713"/>
-            <a:ext cx="864000" cy="646331"/>
+            <a:off x="6446742" y="4361454"/>
+            <a:ext cx="309470" cy="309470"/>
           </a:xfrm>
-          <a:prstGeom prst="rect">
+          <a:prstGeom prst="ellipse">
             <a:avLst/>
           </a:prstGeom>
+          <a:ln>
+            <a:noFill/>
+          </a:ln>
+          <a:effectLst/>
         </p:spPr>
-        <p:txBody>
-          <a:bodyPr wrap="square">
-            <a:spAutoFit/>
-          </a:bodyPr>
-          <a:lstStyle/>
-          <a:p>
-            <a:pPr fontAlgn="base"/>
-            <a:r>
-              <a:rPr lang="zh-CN" altLang="en-US" sz="1200" dirty="0">
-                <a:latin typeface="微软雅黑" pitchFamily="34" charset="-122"/>
-                <a:ea typeface="微软雅黑" pitchFamily="34" charset="-122"/>
-                <a:hlinkClick r:id="rId31" tooltip="中心新闻"/>
-              </a:rPr>
-              <a:t>中心新闻</a:t>
-            </a:r>
-            <a:endParaRPr lang="zh-CN" altLang="en-US" sz="1200" dirty="0">
-              <a:latin typeface="微软雅黑" pitchFamily="34" charset="-122"/>
-              <a:ea typeface="微软雅黑" pitchFamily="34" charset="-122"/>
-            </a:endParaRPr>
-          </a:p>
-          <a:p>
-            <a:pPr fontAlgn="base"/>
-            <a:r>
-              <a:rPr lang="zh-CN" altLang="en-US" sz="1200" dirty="0">
-                <a:latin typeface="微软雅黑" pitchFamily="34" charset="-122"/>
-                <a:ea typeface="微软雅黑" pitchFamily="34" charset="-122"/>
-                <a:hlinkClick r:id="rId32" tooltip="竞赛交流"/>
-              </a:rPr>
-              <a:t>竞赛交流</a:t>
-            </a:r>
-            <a:endParaRPr lang="zh-CN" altLang="en-US" sz="1200" dirty="0">
-              <a:latin typeface="微软雅黑" pitchFamily="34" charset="-122"/>
-              <a:ea typeface="微软雅黑" pitchFamily="34" charset="-122"/>
-            </a:endParaRPr>
-          </a:p>
-          <a:p>
-            <a:pPr fontAlgn="base"/>
-            <a:r>
-              <a:rPr lang="zh-CN" altLang="en-US" sz="1200" dirty="0">
-                <a:latin typeface="微软雅黑" pitchFamily="34" charset="-122"/>
-                <a:ea typeface="微软雅黑" pitchFamily="34" charset="-122"/>
-                <a:hlinkClick r:id="rId33" tooltip="交流"/>
-              </a:rPr>
-              <a:t>交流</a:t>
-            </a:r>
-            <a:endParaRPr lang="zh-CN" altLang="en-US" sz="1200" dirty="0">
-              <a:latin typeface="微软雅黑" pitchFamily="34" charset="-122"/>
-              <a:ea typeface="微软雅黑" pitchFamily="34" charset="-122"/>
-            </a:endParaRPr>
-          </a:p>
-        </p:txBody>
-      </p:sp>
-      <p:sp>
-        <p:nvSpPr>
-          <p:cNvPr id="28" name="矩形 27"/>
-          <p:cNvSpPr/>
+      </p:pic>
+      <p:sp>
+        <p:nvSpPr>
+          <p:cNvPr id="28" name="文本框 27"/>
+          <p:cNvSpPr txBox="1"/>
           <p:nvPr/>
         </p:nvSpPr>
         <p:spPr>
           <a:xfrm>
-            <a:off x="3324014" y="3578603"/>
-            <a:ext cx="1415772" cy="276999"/>
+            <a:off x="6781936" y="4349536"/>
+            <a:ext cx="846832" cy="369332"/>
           </a:xfrm>
           <a:prstGeom prst="rect">
             <a:avLst/>
@@ -4495,32 +5660,58 @@
           </a:bodyPr>
           <a:lstStyle/>
           <a:p>
-            <a:pPr fontAlgn="base"/>
-            <a:r>
-              <a:rPr lang="zh-CN" altLang="en-US" sz="1200" dirty="0">
-                <a:latin typeface="微软雅黑" pitchFamily="34" charset="-122"/>
-                <a:ea typeface="微软雅黑" pitchFamily="34" charset="-122"/>
-                <a:hlinkClick r:id="rId34" tooltip="数字制造仿真系统"/>
-              </a:rPr>
-              <a:t>数字制造仿真系统</a:t>
-            </a:r>
-            <a:endParaRPr lang="zh-CN" altLang="en-US" sz="1200" dirty="0">
-              <a:latin typeface="微软雅黑" pitchFamily="34" charset="-122"/>
-              <a:ea typeface="微软雅黑" pitchFamily="34" charset="-122"/>
-            </a:endParaRPr>
-          </a:p>
-        </p:txBody>
-      </p:sp>
-      <p:sp>
-        <p:nvSpPr>
-          <p:cNvPr id="29" name="矩形 28"/>
-          <p:cNvSpPr/>
+            <a:r>
+              <a:rPr lang="en-US" altLang="zh-CN" sz="900" dirty="0" smtClean="0"/>
+              <a:t>DF------------------------</a:t>
+            </a:r>
+            <a:endParaRPr lang="zh-CN" altLang="en-US" sz="900" dirty="0"/>
+          </a:p>
+        </p:txBody>
+      </p:sp>
+      <p:pic>
+        <p:nvPicPr>
+          <p:cNvPr id="29" name="图片 28"/>
+          <p:cNvPicPr>
+            <a:picLocks noChangeAspect="1"/>
+          </p:cNvPicPr>
           <p:nvPr/>
-        </p:nvSpPr>
+        </p:nvPicPr>
+        <p:blipFill>
+          <a:blip r:embed="rId4" cstate="print">
+            <a:extLst>
+              <a:ext uri="{28A0092B-C50C-407E-A947-70E740481C1C}">
+                <a14:useLocalDpi xmlns:a14="http://schemas.microsoft.com/office/drawing/2010/main" val="0"/>
+              </a:ext>
+            </a:extLst>
+          </a:blip>
+          <a:stretch>
+            <a:fillRect/>
+          </a:stretch>
+        </p:blipFill>
         <p:spPr>
           <a:xfrm>
-            <a:off x="3324014" y="4007884"/>
-            <a:ext cx="1415772" cy="276999"/>
+            <a:off x="6446742" y="4955306"/>
+            <a:ext cx="309470" cy="309470"/>
+          </a:xfrm>
+          <a:prstGeom prst="ellipse">
+            <a:avLst/>
+          </a:prstGeom>
+          <a:ln>
+            <a:noFill/>
+          </a:ln>
+          <a:effectLst/>
+        </p:spPr>
+      </p:pic>
+      <p:sp>
+        <p:nvSpPr>
+          <p:cNvPr id="30" name="文本框 29"/>
+          <p:cNvSpPr txBox="1"/>
+          <p:nvPr/>
+        </p:nvSpPr>
+        <p:spPr>
+          <a:xfrm>
+            <a:off x="6781936" y="4943388"/>
+            <a:ext cx="846832" cy="369332"/>
           </a:xfrm>
           <a:prstGeom prst="rect">
             <a:avLst/>
@@ -4533,32 +5724,58 @@
           </a:bodyPr>
           <a:lstStyle/>
           <a:p>
-            <a:pPr fontAlgn="base"/>
-            <a:r>
-              <a:rPr lang="zh-CN" altLang="en-US" sz="1200" dirty="0">
-                <a:latin typeface="微软雅黑" pitchFamily="34" charset="-122"/>
-                <a:ea typeface="微软雅黑" pitchFamily="34" charset="-122"/>
-                <a:hlinkClick r:id="rId35" tooltip="创客交叉融合空间"/>
-              </a:rPr>
-              <a:t>创客交叉融合空间</a:t>
-            </a:r>
-            <a:endParaRPr lang="zh-CN" altLang="en-US" sz="1200" dirty="0">
-              <a:latin typeface="微软雅黑" pitchFamily="34" charset="-122"/>
-              <a:ea typeface="微软雅黑" pitchFamily="34" charset="-122"/>
-            </a:endParaRPr>
-          </a:p>
-        </p:txBody>
-      </p:sp>
-      <p:sp>
-        <p:nvSpPr>
-          <p:cNvPr id="30" name="矩形 29"/>
-          <p:cNvSpPr/>
+            <a:r>
+              <a:rPr lang="en-US" altLang="zh-CN" sz="900" dirty="0" smtClean="0"/>
+              <a:t>DF------------------------</a:t>
+            </a:r>
+            <a:endParaRPr lang="zh-CN" altLang="en-US" sz="900" dirty="0"/>
+          </a:p>
+        </p:txBody>
+      </p:sp>
+      <p:pic>
+        <p:nvPicPr>
+          <p:cNvPr id="31" name="图片 30"/>
+          <p:cNvPicPr>
+            <a:picLocks noChangeAspect="1"/>
+          </p:cNvPicPr>
           <p:nvPr/>
-        </p:nvSpPr>
+        </p:nvPicPr>
+        <p:blipFill>
+          <a:blip r:embed="rId4" cstate="print">
+            <a:extLst>
+              <a:ext uri="{28A0092B-C50C-407E-A947-70E740481C1C}">
+                <a14:useLocalDpi xmlns:a14="http://schemas.microsoft.com/office/drawing/2010/main" val="0"/>
+              </a:ext>
+            </a:extLst>
+          </a:blip>
+          <a:stretch>
+            <a:fillRect/>
+          </a:stretch>
+        </p:blipFill>
         <p:spPr>
           <a:xfrm>
-            <a:off x="3324014" y="4437165"/>
-            <a:ext cx="1415772" cy="276999"/>
+            <a:off x="6446742" y="5555823"/>
+            <a:ext cx="309470" cy="309470"/>
+          </a:xfrm>
+          <a:prstGeom prst="ellipse">
+            <a:avLst/>
+          </a:prstGeom>
+          <a:ln>
+            <a:noFill/>
+          </a:ln>
+          <a:effectLst/>
+        </p:spPr>
+      </p:pic>
+      <p:sp>
+        <p:nvSpPr>
+          <p:cNvPr id="32" name="文本框 31"/>
+          <p:cNvSpPr txBox="1"/>
+          <p:nvPr/>
+        </p:nvSpPr>
+        <p:spPr>
+          <a:xfrm>
+            <a:off x="6781936" y="5543905"/>
+            <a:ext cx="846832" cy="369332"/>
           </a:xfrm>
           <a:prstGeom prst="rect">
             <a:avLst/>
@@ -4571,563 +5788,18 @@
           </a:bodyPr>
           <a:lstStyle/>
           <a:p>
-            <a:pPr fontAlgn="base"/>
-            <a:r>
-              <a:rPr lang="zh-CN" altLang="en-US" sz="1200" dirty="0">
-                <a:latin typeface="微软雅黑" pitchFamily="34" charset="-122"/>
-                <a:ea typeface="微软雅黑" pitchFamily="34" charset="-122"/>
-                <a:hlinkClick r:id="rId21" tooltip="职教师资培训基地"/>
-              </a:rPr>
-              <a:t>职教师资培训基地</a:t>
-            </a:r>
-            <a:endParaRPr lang="zh-CN" altLang="en-US" sz="1200" dirty="0">
-              <a:latin typeface="微软雅黑" pitchFamily="34" charset="-122"/>
-              <a:ea typeface="微软雅黑" pitchFamily="34" charset="-122"/>
-            </a:endParaRPr>
-          </a:p>
-        </p:txBody>
-      </p:sp>
-      <p:sp>
-        <p:nvSpPr>
-          <p:cNvPr id="31" name="矩形 30"/>
-          <p:cNvSpPr/>
-          <p:nvPr/>
-        </p:nvSpPr>
-        <p:spPr>
-          <a:xfrm>
-            <a:off x="3324014" y="4866446"/>
-            <a:ext cx="1415772" cy="276999"/>
-          </a:xfrm>
-          <a:prstGeom prst="rect">
-            <a:avLst/>
-          </a:prstGeom>
-          <a:noFill/>
-        </p:spPr>
-        <p:txBody>
-          <a:bodyPr wrap="square" rtlCol="0">
-            <a:spAutoFit/>
-          </a:bodyPr>
-          <a:lstStyle/>
-          <a:p>
-            <a:pPr fontAlgn="base"/>
-            <a:r>
-              <a:rPr lang="zh-CN" altLang="en-US" sz="1200" dirty="0">
-                <a:latin typeface="微软雅黑" pitchFamily="34" charset="-122"/>
-                <a:ea typeface="微软雅黑" pitchFamily="34" charset="-122"/>
-                <a:hlinkClick r:id="rId35" tooltip="科普基地创新工坊"/>
-              </a:rPr>
-              <a:t>科普基地创新工坊</a:t>
-            </a:r>
-            <a:endParaRPr lang="zh-CN" altLang="en-US" sz="1200" dirty="0">
-              <a:latin typeface="微软雅黑" pitchFamily="34" charset="-122"/>
-              <a:ea typeface="微软雅黑" pitchFamily="34" charset="-122"/>
-            </a:endParaRPr>
-          </a:p>
-        </p:txBody>
-      </p:sp>
-      <p:sp>
-        <p:nvSpPr>
-          <p:cNvPr id="32" name="矩形 31"/>
-          <p:cNvSpPr/>
-          <p:nvPr/>
-        </p:nvSpPr>
-        <p:spPr>
-          <a:xfrm>
-            <a:off x="3324014" y="5295727"/>
-            <a:ext cx="1415772" cy="276999"/>
-          </a:xfrm>
-          <a:prstGeom prst="rect">
-            <a:avLst/>
-          </a:prstGeom>
-          <a:noFill/>
-        </p:spPr>
-        <p:txBody>
-          <a:bodyPr wrap="square" rtlCol="0">
-            <a:spAutoFit/>
-          </a:bodyPr>
-          <a:lstStyle/>
-          <a:p>
-            <a:pPr fontAlgn="base"/>
-            <a:r>
-              <a:rPr lang="zh-CN" altLang="en-US" sz="1200" dirty="0">
-                <a:latin typeface="微软雅黑" pitchFamily="34" charset="-122"/>
-                <a:ea typeface="微软雅黑" pitchFamily="34" charset="-122"/>
-                <a:hlinkClick r:id="rId19" tooltip="科技条件开放平台"/>
-              </a:rPr>
-              <a:t>科技条件开放平台</a:t>
-            </a:r>
-            <a:endParaRPr lang="zh-CN" altLang="en-US" sz="1200" dirty="0">
-              <a:latin typeface="微软雅黑" pitchFamily="34" charset="-122"/>
-              <a:ea typeface="微软雅黑" pitchFamily="34" charset="-122"/>
-            </a:endParaRPr>
-          </a:p>
-        </p:txBody>
-      </p:sp>
-      <p:sp>
-        <p:nvSpPr>
-          <p:cNvPr id="33" name="矩形 32"/>
-          <p:cNvSpPr/>
-          <p:nvPr/>
-        </p:nvSpPr>
-        <p:spPr>
-          <a:xfrm>
-            <a:off x="3324014" y="5725008"/>
-            <a:ext cx="1415772" cy="276999"/>
-          </a:xfrm>
-          <a:prstGeom prst="rect">
-            <a:avLst/>
-          </a:prstGeom>
-          <a:noFill/>
-        </p:spPr>
-        <p:txBody>
-          <a:bodyPr wrap="square" rtlCol="0">
-            <a:spAutoFit/>
-          </a:bodyPr>
-          <a:lstStyle/>
-          <a:p>
-            <a:pPr fontAlgn="base"/>
-            <a:r>
-              <a:rPr lang="zh-CN" altLang="en-US" sz="1200" dirty="0">
-                <a:latin typeface="微软雅黑" pitchFamily="34" charset="-122"/>
-                <a:ea typeface="微软雅黑" pitchFamily="34" charset="-122"/>
-                <a:hlinkClick r:id="rId28" tooltip="中心教学成果展示"/>
-              </a:rPr>
-              <a:t>中心教学成果展示</a:t>
-            </a:r>
-            <a:endParaRPr lang="zh-CN" altLang="en-US" sz="1200" dirty="0">
-              <a:latin typeface="微软雅黑" pitchFamily="34" charset="-122"/>
-              <a:ea typeface="微软雅黑" pitchFamily="34" charset="-122"/>
-            </a:endParaRPr>
-          </a:p>
-        </p:txBody>
-      </p:sp>
-      <p:sp>
-        <p:nvSpPr>
-          <p:cNvPr id="34" name="矩形 33"/>
-          <p:cNvSpPr/>
-          <p:nvPr/>
-        </p:nvSpPr>
-        <p:spPr>
-          <a:xfrm>
-            <a:off x="3324014" y="6154286"/>
-            <a:ext cx="1415772" cy="276999"/>
-          </a:xfrm>
-          <a:prstGeom prst="rect">
-            <a:avLst/>
-          </a:prstGeom>
-          <a:noFill/>
-        </p:spPr>
-        <p:txBody>
-          <a:bodyPr wrap="square" rtlCol="0">
-            <a:spAutoFit/>
-          </a:bodyPr>
-          <a:lstStyle/>
-          <a:p>
-            <a:pPr fontAlgn="base"/>
-            <a:r>
-              <a:rPr lang="zh-CN" altLang="en-US" sz="1200" dirty="0">
-                <a:latin typeface="微软雅黑" pitchFamily="34" charset="-122"/>
-                <a:ea typeface="微软雅黑" pitchFamily="34" charset="-122"/>
-                <a:hlinkClick r:id="rId36" tooltip="金属工艺学研究会"/>
-              </a:rPr>
-              <a:t>金属工艺学研究会</a:t>
-            </a:r>
-            <a:endParaRPr lang="zh-CN" altLang="en-US" sz="1200" dirty="0">
-              <a:latin typeface="微软雅黑" pitchFamily="34" charset="-122"/>
-              <a:ea typeface="微软雅黑" pitchFamily="34" charset="-122"/>
-            </a:endParaRPr>
-          </a:p>
-        </p:txBody>
-      </p:sp>
-      <p:cxnSp>
-        <p:nvCxnSpPr>
-          <p:cNvPr id="36" name="肘形连接符 35"/>
-          <p:cNvCxnSpPr>
-            <a:stCxn id="26" idx="3"/>
-            <a:endCxn id="27" idx="1"/>
-          </p:cNvCxnSpPr>
-          <p:nvPr/>
-        </p:nvCxnSpPr>
-        <p:spPr>
-          <a:xfrm>
-            <a:off x="4751980" y="3287822"/>
-            <a:ext cx="3051406" cy="2043057"/>
-          </a:xfrm>
-          <a:prstGeom prst="bentConnector3">
-            <a:avLst>
-              <a:gd name="adj1" fmla="val 50000"/>
-            </a:avLst>
-          </a:prstGeom>
-          <a:ln w="19050">
-            <a:solidFill>
-              <a:schemeClr val="tx1"/>
-            </a:solidFill>
-            <a:tailEnd type="triangle" w="med" len="lg"/>
-          </a:ln>
-        </p:spPr>
-        <p:style>
-          <a:lnRef idx="1">
-            <a:schemeClr val="accent1"/>
-          </a:lnRef>
-          <a:fillRef idx="0">
-            <a:schemeClr val="accent1"/>
-          </a:fillRef>
-          <a:effectRef idx="0">
-            <a:schemeClr val="accent1"/>
-          </a:effectRef>
-          <a:fontRef idx="minor">
-            <a:schemeClr val="tx1"/>
-          </a:fontRef>
-        </p:style>
-      </p:cxnSp>
-      <p:cxnSp>
-        <p:nvCxnSpPr>
-          <p:cNvPr id="38" name="肘形连接符 37"/>
-          <p:cNvCxnSpPr>
-            <a:stCxn id="28" idx="1"/>
-            <a:endCxn id="50" idx="3"/>
-          </p:cNvCxnSpPr>
-          <p:nvPr/>
-        </p:nvCxnSpPr>
-        <p:spPr>
-          <a:xfrm rot="10800000">
-            <a:off x="2411760" y="3426321"/>
-            <a:ext cx="912254" cy="290782"/>
-          </a:xfrm>
-          <a:prstGeom prst="bentConnector3">
-            <a:avLst/>
-          </a:prstGeom>
-          <a:ln w="19050">
-            <a:solidFill>
-              <a:schemeClr val="tx1"/>
-            </a:solidFill>
-            <a:tailEnd type="arrow"/>
-          </a:ln>
-        </p:spPr>
-        <p:style>
-          <a:lnRef idx="1">
-            <a:schemeClr val="accent1"/>
-          </a:lnRef>
-          <a:fillRef idx="0">
-            <a:schemeClr val="accent1"/>
-          </a:fillRef>
-          <a:effectRef idx="0">
-            <a:schemeClr val="accent1"/>
-          </a:effectRef>
-          <a:fontRef idx="minor">
-            <a:schemeClr val="tx1"/>
-          </a:fontRef>
-        </p:style>
-      </p:cxnSp>
-      <p:cxnSp>
-        <p:nvCxnSpPr>
-          <p:cNvPr id="40" name="肘形连接符 39"/>
-          <p:cNvCxnSpPr>
-            <a:stCxn id="29" idx="1"/>
-            <a:endCxn id="4" idx="2"/>
-          </p:cNvCxnSpPr>
-          <p:nvPr/>
-        </p:nvCxnSpPr>
-        <p:spPr>
-          <a:xfrm rot="10800000">
-            <a:off x="395536" y="1160912"/>
-            <a:ext cx="2928478" cy="2985473"/>
-          </a:xfrm>
-          <a:prstGeom prst="bentConnector2">
-            <a:avLst/>
-          </a:prstGeom>
-          <a:ln w="19050">
-            <a:solidFill>
-              <a:schemeClr val="tx1"/>
-            </a:solidFill>
-            <a:tailEnd type="arrow"/>
-          </a:ln>
-        </p:spPr>
-        <p:style>
-          <a:lnRef idx="1">
-            <a:schemeClr val="accent1"/>
-          </a:lnRef>
-          <a:fillRef idx="0">
-            <a:schemeClr val="accent1"/>
-          </a:fillRef>
-          <a:effectRef idx="0">
-            <a:schemeClr val="accent1"/>
-          </a:effectRef>
-          <a:fontRef idx="minor">
-            <a:schemeClr val="tx1"/>
-          </a:fontRef>
-        </p:style>
-      </p:cxnSp>
-      <p:cxnSp>
-        <p:nvCxnSpPr>
-          <p:cNvPr id="42" name="肘形连接符 41"/>
-          <p:cNvCxnSpPr>
-            <a:stCxn id="30" idx="3"/>
-            <a:endCxn id="23" idx="0"/>
-          </p:cNvCxnSpPr>
-          <p:nvPr/>
-        </p:nvCxnSpPr>
-        <p:spPr>
-          <a:xfrm flipV="1">
-            <a:off x="4739786" y="1268760"/>
-            <a:ext cx="2784542" cy="3306905"/>
-          </a:xfrm>
-          <a:prstGeom prst="bentConnector4">
-            <a:avLst>
-              <a:gd name="adj1" fmla="val 106400"/>
-              <a:gd name="adj2" fmla="val 106913"/>
-            </a:avLst>
-          </a:prstGeom>
-          <a:ln w="19050">
-            <a:solidFill>
-              <a:schemeClr val="tx1"/>
-            </a:solidFill>
-            <a:tailEnd type="arrow"/>
-          </a:ln>
-        </p:spPr>
-        <p:style>
-          <a:lnRef idx="1">
-            <a:schemeClr val="accent1"/>
-          </a:lnRef>
-          <a:fillRef idx="0">
-            <a:schemeClr val="accent1"/>
-          </a:fillRef>
-          <a:effectRef idx="0">
-            <a:schemeClr val="accent1"/>
-          </a:effectRef>
-          <a:fontRef idx="minor">
-            <a:schemeClr val="tx1"/>
-          </a:fontRef>
-        </p:style>
-      </p:cxnSp>
-      <p:cxnSp>
-        <p:nvCxnSpPr>
-          <p:cNvPr id="44" name="肘形连接符 43"/>
-          <p:cNvCxnSpPr>
-            <a:stCxn id="31" idx="1"/>
-            <a:endCxn id="4" idx="2"/>
-          </p:cNvCxnSpPr>
-          <p:nvPr/>
-        </p:nvCxnSpPr>
-        <p:spPr>
-          <a:xfrm rot="10800000">
-            <a:off x="395536" y="1160912"/>
-            <a:ext cx="2928478" cy="3844035"/>
-          </a:xfrm>
-          <a:prstGeom prst="bentConnector2">
-            <a:avLst/>
-          </a:prstGeom>
-          <a:ln w="19050">
-            <a:solidFill>
-              <a:schemeClr val="tx1"/>
-            </a:solidFill>
-            <a:tailEnd type="arrow"/>
-          </a:ln>
-        </p:spPr>
-        <p:style>
-          <a:lnRef idx="1">
-            <a:schemeClr val="accent1"/>
-          </a:lnRef>
-          <a:fillRef idx="0">
-            <a:schemeClr val="accent1"/>
-          </a:fillRef>
-          <a:effectRef idx="0">
-            <a:schemeClr val="accent1"/>
-          </a:effectRef>
-          <a:fontRef idx="minor">
-            <a:schemeClr val="tx1"/>
-          </a:fontRef>
-        </p:style>
-      </p:cxnSp>
-      <p:sp>
-        <p:nvSpPr>
-          <p:cNvPr id="50" name="圆角矩形 49"/>
-          <p:cNvSpPr/>
-          <p:nvPr/>
-        </p:nvSpPr>
-        <p:spPr>
-          <a:xfrm>
-            <a:off x="1547664" y="3246301"/>
-            <a:ext cx="864096" cy="360040"/>
-          </a:xfrm>
-          <a:prstGeom prst="roundRect">
-            <a:avLst/>
-          </a:prstGeom>
-          <a:solidFill>
-            <a:schemeClr val="bg1"/>
-          </a:solidFill>
-          <a:ln w="19050">
-            <a:solidFill>
-              <a:schemeClr val="tx1"/>
-            </a:solidFill>
-          </a:ln>
-        </p:spPr>
-        <p:style>
-          <a:lnRef idx="2">
-            <a:schemeClr val="accent1">
-              <a:shade val="50000"/>
-            </a:schemeClr>
-          </a:lnRef>
-          <a:fillRef idx="1">
-            <a:schemeClr val="accent1"/>
-          </a:fillRef>
-          <a:effectRef idx="0">
-            <a:schemeClr val="accent1"/>
-          </a:effectRef>
-          <a:fontRef idx="minor">
-            <a:schemeClr val="lt1"/>
-          </a:fontRef>
-        </p:style>
-        <p:txBody>
-          <a:bodyPr rtlCol="0" anchor="ctr"/>
-          <a:lstStyle/>
-          <a:p>
-            <a:pPr algn="ctr"/>
-            <a:r>
-              <a:rPr lang="zh-CN" altLang="en-US" sz="1200" dirty="0" smtClean="0">
-                <a:solidFill>
-                  <a:sysClr val="windowText" lastClr="000000"/>
-                </a:solidFill>
-                <a:latin typeface="微软雅黑" pitchFamily="34" charset="-122"/>
-                <a:ea typeface="微软雅黑" pitchFamily="34" charset="-122"/>
-              </a:rPr>
-              <a:t>虚拟仿真</a:t>
-            </a:r>
-            <a:endParaRPr lang="en-US" altLang="zh-CN" sz="1200" dirty="0" smtClean="0">
-              <a:solidFill>
-                <a:sysClr val="windowText" lastClr="000000"/>
-              </a:solidFill>
-              <a:latin typeface="微软雅黑" pitchFamily="34" charset="-122"/>
-              <a:ea typeface="微软雅黑" pitchFamily="34" charset="-122"/>
-            </a:endParaRPr>
-          </a:p>
-        </p:txBody>
-      </p:sp>
-      <p:cxnSp>
-        <p:nvCxnSpPr>
-          <p:cNvPr id="53" name="肘形连接符 52"/>
-          <p:cNvCxnSpPr>
-            <a:stCxn id="32" idx="3"/>
-            <a:endCxn id="22" idx="1"/>
-          </p:cNvCxnSpPr>
-          <p:nvPr/>
-        </p:nvCxnSpPr>
-        <p:spPr>
-          <a:xfrm flipV="1">
-            <a:off x="4739786" y="1499593"/>
-            <a:ext cx="1182304" cy="3934634"/>
-          </a:xfrm>
-          <a:prstGeom prst="bentConnector3">
-            <a:avLst>
-              <a:gd name="adj1" fmla="val 84803"/>
-            </a:avLst>
-          </a:prstGeom>
-          <a:ln w="19050">
-            <a:solidFill>
-              <a:schemeClr val="tx1"/>
-            </a:solidFill>
-            <a:tailEnd type="arrow"/>
-          </a:ln>
-        </p:spPr>
-        <p:style>
-          <a:lnRef idx="1">
-            <a:schemeClr val="accent1"/>
-          </a:lnRef>
-          <a:fillRef idx="0">
-            <a:schemeClr val="accent1"/>
-          </a:fillRef>
-          <a:effectRef idx="0">
-            <a:schemeClr val="accent1"/>
-          </a:effectRef>
-          <a:fontRef idx="minor">
-            <a:schemeClr val="tx1"/>
-          </a:fontRef>
-        </p:style>
-      </p:cxnSp>
-      <p:cxnSp>
-        <p:nvCxnSpPr>
-          <p:cNvPr id="56" name="肘形连接符 55"/>
-          <p:cNvCxnSpPr>
-            <a:stCxn id="33" idx="3"/>
-            <a:endCxn id="24" idx="3"/>
-          </p:cNvCxnSpPr>
-          <p:nvPr/>
-        </p:nvCxnSpPr>
-        <p:spPr>
-          <a:xfrm flipV="1">
-            <a:off x="4739786" y="1499593"/>
-            <a:ext cx="4166910" cy="4363915"/>
-          </a:xfrm>
-          <a:prstGeom prst="bentConnector3">
-            <a:avLst>
-              <a:gd name="adj1" fmla="val 103730"/>
-            </a:avLst>
-          </a:prstGeom>
-          <a:ln w="19050">
-            <a:solidFill>
-              <a:schemeClr val="tx1"/>
-            </a:solidFill>
-            <a:tailEnd type="arrow"/>
-          </a:ln>
-        </p:spPr>
-        <p:style>
-          <a:lnRef idx="1">
-            <a:schemeClr val="accent1"/>
-          </a:lnRef>
-          <a:fillRef idx="0">
-            <a:schemeClr val="accent1"/>
-          </a:fillRef>
-          <a:effectRef idx="0">
-            <a:schemeClr val="accent1"/>
-          </a:effectRef>
-          <a:fontRef idx="minor">
-            <a:schemeClr val="tx1"/>
-          </a:fontRef>
-        </p:style>
-      </p:cxnSp>
-      <p:cxnSp>
-        <p:nvCxnSpPr>
-          <p:cNvPr id="60" name="肘形连接符 59"/>
-          <p:cNvCxnSpPr>
-            <a:stCxn id="34" idx="3"/>
-            <a:endCxn id="27" idx="2"/>
-          </p:cNvCxnSpPr>
-          <p:nvPr/>
-        </p:nvCxnSpPr>
-        <p:spPr>
-          <a:xfrm flipV="1">
-            <a:off x="4739786" y="5654044"/>
-            <a:ext cx="3495600" cy="638742"/>
-          </a:xfrm>
-          <a:prstGeom prst="bentConnector2">
-            <a:avLst/>
-          </a:prstGeom>
-          <a:ln w="19050">
-            <a:solidFill>
-              <a:schemeClr val="tx1"/>
-            </a:solidFill>
-            <a:tailEnd type="arrow"/>
-          </a:ln>
-        </p:spPr>
-        <p:style>
-          <a:lnRef idx="1">
-            <a:schemeClr val="accent1"/>
-          </a:lnRef>
-          <a:fillRef idx="0">
-            <a:schemeClr val="accent1"/>
-          </a:fillRef>
-          <a:effectRef idx="0">
-            <a:schemeClr val="accent1"/>
-          </a:effectRef>
-          <a:fontRef idx="minor">
-            <a:schemeClr val="tx1"/>
-          </a:fontRef>
-        </p:style>
-      </p:cxnSp>
+            <a:r>
+              <a:rPr lang="en-US" altLang="zh-CN" sz="900" dirty="0" smtClean="0"/>
+              <a:t>DF------------------------</a:t>
+            </a:r>
+            <a:endParaRPr lang="zh-CN" altLang="en-US" sz="900" dirty="0"/>
+          </a:p>
+        </p:txBody>
+      </p:sp>
     </p:spTree>
     <p:extLst>
       <p:ext uri="{BB962C8B-B14F-4D97-AF65-F5344CB8AC3E}">
-        <p14:creationId xmlns:p14="http://schemas.microsoft.com/office/powerpoint/2010/main" val="945420988"/>
+        <p14:creationId xmlns:p14="http://schemas.microsoft.com/office/powerpoint/2010/main" val="3832884026"/>
       </p:ext>
     </p:extLst>
   </p:cSld>
